--- a/Files/Systems.pptx
+++ b/Files/Systems.pptx
@@ -5,14 +5,22 @@
     <p:sldMasterId id="2147483648" r:id="rId1"/>
   </p:sldMasterIdLst>
   <p:notesMasterIdLst>
-    <p:notesMasterId r:id="rId4"/>
+    <p:notesMasterId r:id="rId12"/>
   </p:notesMasterIdLst>
   <p:handoutMasterIdLst>
-    <p:handoutMasterId r:id="rId5"/>
+    <p:handoutMasterId r:id="rId13"/>
   </p:handoutMasterIdLst>
   <p:sldIdLst>
     <p:sldId id="264" r:id="rId2"/>
-    <p:sldId id="265" r:id="rId3"/>
+    <p:sldId id="266" r:id="rId3"/>
+    <p:sldId id="267" r:id="rId4"/>
+    <p:sldId id="268" r:id="rId5"/>
+    <p:sldId id="269" r:id="rId6"/>
+    <p:sldId id="271" r:id="rId7"/>
+    <p:sldId id="270" r:id="rId8"/>
+    <p:sldId id="272" r:id="rId9"/>
+    <p:sldId id="274" r:id="rId10"/>
+    <p:sldId id="273" r:id="rId11"/>
   </p:sldIdLst>
   <p:sldSz cx="12192000" cy="6858000"/>
   <p:notesSz cx="6858000" cy="9144000"/>
@@ -216,7 +224,7 @@
           <a:p>
             <a:fld id="{4EED1B3A-46F9-49FD-AD10-AFD7DDBFFFE7}" type="datetimeFigureOut">
               <a:rPr lang="fr-FR" smtClean="0"/>
-              <a:t>26/05/2019</a:t>
+              <a:t>27/05/2019</a:t>
             </a:fld>
             <a:endParaRPr lang="fr-FR"/>
           </a:p>
@@ -393,7 +401,7 @@
           <a:p>
             <a:fld id="{CBD02DE9-54A9-4CA7-91F3-710D21D0B6EC}" type="datetimeFigureOut">
               <a:rPr lang="en-US" smtClean="0"/>
-              <a:t>5/26/2019</a:t>
+              <a:t>5/27/2019</a:t>
             </a:fld>
             <a:endParaRPr lang="en-US" dirty="0"/>
           </a:p>
@@ -2649,12 +2657,20 @@
           <a:p>
             <a:pPr algn="l"/>
             <a:r>
+              <a:rPr lang="fr-FR" dirty="0" err="1">
+                <a:solidFill>
+                  <a:schemeClr val="bg1"/>
+                </a:solidFill>
+              </a:rPr>
+              <a:t>Feasibility</a:t>
+            </a:r>
+            <a:r>
               <a:rPr lang="fr-FR" dirty="0">
                 <a:solidFill>
                   <a:schemeClr val="bg1"/>
                 </a:solidFill>
               </a:rPr>
-              <a:t>Phase A </a:t>
+              <a:t> </a:t>
             </a:r>
             <a:r>
               <a:rPr lang="fr-FR" dirty="0" err="1">
@@ -3217,8 +3233,25 @@
           <a:p>
             <a:r>
               <a:rPr lang="fr-FR" dirty="0"/>
-              <a:t>Financial budget</a:t>
-            </a:r>
+              <a:t>Model-</a:t>
+            </a:r>
+            <a:r>
+              <a:rPr lang="fr-FR" dirty="0" err="1"/>
+              <a:t>Based</a:t>
+            </a:r>
+            <a:r>
+              <a:rPr lang="fr-FR" dirty="0"/>
+              <a:t> </a:t>
+            </a:r>
+            <a:r>
+              <a:rPr lang="fr-FR" dirty="0" err="1"/>
+              <a:t>Systems</a:t>
+            </a:r>
+            <a:r>
+              <a:rPr lang="fr-FR"/>
+              <a:t> Engineering</a:t>
+            </a:r>
+            <a:endParaRPr lang="fr-FR" dirty="0"/>
           </a:p>
         </p:txBody>
       </p:sp>
@@ -3245,7 +3278,7 @@
           <a:p>
             <a:r>
               <a:rPr lang="fr-FR" dirty="0"/>
-              <a:t>Cédric Belmant</a:t>
+              <a:t>Cédric Belmant - INSA</a:t>
             </a:r>
           </a:p>
           <a:p>
@@ -3257,7 +3290,10 @@
               <a:rPr lang="fr-FR" dirty="0" err="1"/>
               <a:t>Seeleuthner</a:t>
             </a:r>
-            <a:endParaRPr lang="fr-FR" dirty="0"/>
+            <a:r>
+              <a:rPr lang="fr-FR" dirty="0"/>
+              <a:t> - ISAE</a:t>
+            </a:r>
           </a:p>
         </p:txBody>
       </p:sp>
@@ -3265,6 +3301,102 @@
     <p:extLst>
       <p:ext uri="{BB962C8B-B14F-4D97-AF65-F5344CB8AC3E}">
         <p14:creationId xmlns:p14="http://schemas.microsoft.com/office/powerpoint/2010/main" val="594934964"/>
+      </p:ext>
+    </p:extLst>
+  </p:cSld>
+  <p:clrMapOvr>
+    <a:masterClrMapping/>
+  </p:clrMapOvr>
+</p:sld>
+</file>
+
+<file path=ppt/slides/slide10.xml><?xml version="1.0" encoding="utf-8"?>
+<p:sld xmlns:a="http://schemas.openxmlformats.org/drawingml/2006/main" xmlns:r="http://schemas.openxmlformats.org/officeDocument/2006/relationships" xmlns:p="http://schemas.openxmlformats.org/presentationml/2006/main">
+  <p:cSld>
+    <p:spTree>
+      <p:nvGrpSpPr>
+        <p:cNvPr id="1" name=""/>
+        <p:cNvGrpSpPr/>
+        <p:nvPr/>
+      </p:nvGrpSpPr>
+      <p:grpSpPr>
+        <a:xfrm>
+          <a:off x="0" y="0"/>
+          <a:ext cx="0" cy="0"/>
+          <a:chOff x="0" y="0"/>
+          <a:chExt cx="0" cy="0"/>
+        </a:xfrm>
+      </p:grpSpPr>
+      <p:sp>
+        <p:nvSpPr>
+          <p:cNvPr id="4" name="Slide Number Placeholder 3">
+            <a:extLst>
+              <a:ext uri="{FF2B5EF4-FFF2-40B4-BE49-F238E27FC236}">
+                <a16:creationId xmlns:a16="http://schemas.microsoft.com/office/drawing/2014/main" id="{B0D2B704-8D7F-4194-9D89-EA28D7386F06}"/>
+              </a:ext>
+            </a:extLst>
+          </p:cNvPr>
+          <p:cNvSpPr>
+            <a:spLocks noGrp="1"/>
+          </p:cNvSpPr>
+          <p:nvPr>
+            <p:ph type="sldNum" sz="quarter" idx="12"/>
+          </p:nvPr>
+        </p:nvSpPr>
+        <p:spPr/>
+        <p:txBody>
+          <a:bodyPr/>
+          <a:lstStyle/>
+          <a:p>
+            <a:fld id="{9E937E72-11F5-44A2-9DC0-74EEC05A6D21}" type="slidenum">
+              <a:rPr lang="en-US" smtClean="0"/>
+              <a:pPr/>
+              <a:t>10</a:t>
+            </a:fld>
+            <a:endParaRPr lang="en-US" dirty="0"/>
+          </a:p>
+        </p:txBody>
+      </p:sp>
+      <p:pic>
+        <p:nvPicPr>
+          <p:cNvPr id="8" name="Picture 7">
+            <a:extLst>
+              <a:ext uri="{FF2B5EF4-FFF2-40B4-BE49-F238E27FC236}">
+                <a16:creationId xmlns:a16="http://schemas.microsoft.com/office/drawing/2014/main" id="{352FDABF-D4ED-4E6C-AA70-0FBBCE254DEC}"/>
+              </a:ext>
+            </a:extLst>
+          </p:cNvPr>
+          <p:cNvPicPr>
+            <a:picLocks noChangeAspect="1"/>
+          </p:cNvPicPr>
+          <p:nvPr/>
+        </p:nvPicPr>
+        <p:blipFill>
+          <a:blip r:embed="rId2">
+            <a:extLst>
+              <a:ext uri="{28A0092B-C50C-407E-A947-70E740481C1C}">
+                <a14:useLocalDpi xmlns:a14="http://schemas.microsoft.com/office/drawing/2010/main" val="0"/>
+              </a:ext>
+            </a:extLst>
+          </a:blip>
+          <a:stretch>
+            <a:fillRect/>
+          </a:stretch>
+        </p:blipFill>
+        <p:spPr>
+          <a:xfrm>
+            <a:off x="0" y="0"/>
+            <a:ext cx="12192000" cy="5751278"/>
+          </a:xfrm>
+          <a:prstGeom prst="rect">
+            <a:avLst/>
+          </a:prstGeom>
+        </p:spPr>
+      </p:pic>
+    </p:spTree>
+    <p:extLst>
+      <p:ext uri="{BB962C8B-B14F-4D97-AF65-F5344CB8AC3E}">
+        <p14:creationId xmlns:p14="http://schemas.microsoft.com/office/powerpoint/2010/main" val="617961927"/>
       </p:ext>
     </p:extLst>
   </p:cSld>
@@ -3293,10 +3425,10 @@
       </p:grpSpPr>
       <p:sp>
         <p:nvSpPr>
-          <p:cNvPr id="6" name="Title 5">
+          <p:cNvPr id="6" name="Titre 5">
             <a:extLst>
               <a:ext uri="{FF2B5EF4-FFF2-40B4-BE49-F238E27FC236}">
-                <a16:creationId xmlns:a16="http://schemas.microsoft.com/office/drawing/2014/main" id="{5E393053-3CB2-4A49-A992-F603BAF69D5D}"/>
+                <a16:creationId xmlns:a16="http://schemas.microsoft.com/office/drawing/2014/main" id="{F63398FF-E71E-4C6C-B48C-16141C76B480}"/>
               </a:ext>
             </a:extLst>
           </p:cNvPr>
@@ -3314,11 +3446,11 @@
           <a:p>
             <a:r>
               <a:rPr lang="fr-FR" dirty="0"/>
-              <a:t>Financial </a:t>
+              <a:t>System </a:t>
             </a:r>
             <a:r>
               <a:rPr lang="fr-FR" dirty="0" err="1"/>
-              <a:t>means</a:t>
+              <a:t>Requirements</a:t>
             </a:r>
             <a:endParaRPr lang="fr-FR" dirty="0"/>
           </a:p>
@@ -3326,10 +3458,10 @@
       </p:sp>
       <p:sp>
         <p:nvSpPr>
-          <p:cNvPr id="4" name="Slide Number Placeholder 3">
+          <p:cNvPr id="4" name="Espace réservé du numéro de diapositive 3">
             <a:extLst>
               <a:ext uri="{FF2B5EF4-FFF2-40B4-BE49-F238E27FC236}">
-                <a16:creationId xmlns:a16="http://schemas.microsoft.com/office/drawing/2014/main" id="{EAF889AD-97B8-4733-9DDE-75B21E04C93D}"/>
+                <a16:creationId xmlns:a16="http://schemas.microsoft.com/office/drawing/2014/main" id="{EB930932-9979-45D6-8186-11A25B575584}"/>
               </a:ext>
             </a:extLst>
           </p:cNvPr>
@@ -3356,10 +3488,10 @@
       </p:sp>
       <p:sp>
         <p:nvSpPr>
-          <p:cNvPr id="8" name="Text Placeholder 7">
+          <p:cNvPr id="8" name="Espace réservé du texte 7">
             <a:extLst>
               <a:ext uri="{FF2B5EF4-FFF2-40B4-BE49-F238E27FC236}">
-                <a16:creationId xmlns:a16="http://schemas.microsoft.com/office/drawing/2014/main" id="{C1076AF6-A67F-47F1-BA34-62A577ABB510}"/>
+                <a16:creationId xmlns:a16="http://schemas.microsoft.com/office/drawing/2014/main" id="{27558758-E520-4FBF-82CF-55260C8CA7C2}"/>
               </a:ext>
             </a:extLst>
           </p:cNvPr>
@@ -3377,13 +3509,2386 @@
           <a:p>
             <a:r>
               <a:rPr lang="fr-FR" dirty="0"/>
-              <a:t>III. </a:t>
-            </a:r>
-            <a:r>
-              <a:rPr lang="fr-FR"/>
-              <a:t>Financial budget</a:t>
+              <a:t>I. System </a:t>
+            </a:r>
+            <a:r>
+              <a:rPr lang="fr-FR" dirty="0" err="1"/>
+              <a:t>Requirements</a:t>
             </a:r>
             <a:endParaRPr lang="fr-FR" dirty="0"/>
+          </a:p>
+        </p:txBody>
+      </p:sp>
+      <p:graphicFrame>
+        <p:nvGraphicFramePr>
+          <p:cNvPr id="9" name="Tableau 8">
+            <a:extLst>
+              <a:ext uri="{FF2B5EF4-FFF2-40B4-BE49-F238E27FC236}">
+                <a16:creationId xmlns:a16="http://schemas.microsoft.com/office/drawing/2014/main" id="{D1848882-51F2-4E0E-97D7-3C81D5180C48}"/>
+              </a:ext>
+            </a:extLst>
+          </p:cNvPr>
+          <p:cNvGraphicFramePr>
+            <a:graphicFrameLocks noGrp="1"/>
+          </p:cNvGraphicFramePr>
+          <p:nvPr>
+            <p:extLst>
+              <p:ext uri="{D42A27DB-BD31-4B8C-83A1-F6EECF244321}">
+                <p14:modId xmlns:p14="http://schemas.microsoft.com/office/powerpoint/2010/main" val="3902471765"/>
+              </p:ext>
+            </p:extLst>
+          </p:nvPr>
+        </p:nvGraphicFramePr>
+        <p:xfrm>
+          <a:off x="2032000" y="1945640"/>
+          <a:ext cx="8128000" cy="3403600"/>
+        </p:xfrm>
+        <a:graphic>
+          <a:graphicData uri="http://schemas.openxmlformats.org/drawingml/2006/table">
+            <a:tbl>
+              <a:tblPr firstRow="1" bandRow="1">
+                <a:tableStyleId>{5C22544A-7EE6-4342-B048-85BDC9FD1C3A}</a:tableStyleId>
+              </a:tblPr>
+              <a:tblGrid>
+                <a:gridCol w="1373809">
+                  <a:extLst>
+                    <a:ext uri="{9D8B030D-6E8A-4147-A177-3AD203B41FA5}">
+                      <a16:colId xmlns:a16="http://schemas.microsoft.com/office/drawing/2014/main" val="3654568607"/>
+                    </a:ext>
+                  </a:extLst>
+                </a:gridCol>
+                <a:gridCol w="6754191">
+                  <a:extLst>
+                    <a:ext uri="{9D8B030D-6E8A-4147-A177-3AD203B41FA5}">
+                      <a16:colId xmlns:a16="http://schemas.microsoft.com/office/drawing/2014/main" val="3099011576"/>
+                    </a:ext>
+                  </a:extLst>
+                </a:gridCol>
+              </a:tblGrid>
+              <a:tr h="370840">
+                <a:tc>
+                  <a:txBody>
+                    <a:bodyPr/>
+                    <a:lstStyle/>
+                    <a:p>
+                      <a:pPr algn="ctr"/>
+                      <a:r>
+                        <a:rPr lang="fr-FR" dirty="0"/>
+                        <a:t>ID</a:t>
+                      </a:r>
+                    </a:p>
+                  </a:txBody>
+                  <a:tcPr/>
+                </a:tc>
+                <a:tc>
+                  <a:txBody>
+                    <a:bodyPr/>
+                    <a:lstStyle/>
+                    <a:p>
+                      <a:r>
+                        <a:rPr lang="fr-FR" dirty="0" err="1"/>
+                        <a:t>Requirement</a:t>
+                      </a:r>
+                      <a:endParaRPr lang="fr-FR" dirty="0"/>
+                    </a:p>
+                  </a:txBody>
+                  <a:tcPr/>
+                </a:tc>
+                <a:extLst>
+                  <a:ext uri="{0D108BD9-81ED-4DB2-BD59-A6C34878D82A}">
+                    <a16:rowId xmlns:a16="http://schemas.microsoft.com/office/drawing/2014/main" val="69282670"/>
+                  </a:ext>
+                </a:extLst>
+              </a:tr>
+              <a:tr h="370840">
+                <a:tc>
+                  <a:txBody>
+                    <a:bodyPr/>
+                    <a:lstStyle/>
+                    <a:p>
+                      <a:r>
+                        <a:rPr lang="fr-FR" dirty="0"/>
+                        <a:t>SYS-001</a:t>
+                      </a:r>
+                    </a:p>
+                  </a:txBody>
+                  <a:tcPr/>
+                </a:tc>
+                <a:tc>
+                  <a:txBody>
+                    <a:bodyPr/>
+                    <a:lstStyle/>
+                    <a:p>
+                      <a:r>
+                        <a:rPr lang="en-US" sz="1800" b="0" i="0" kern="1200" dirty="0">
+                          <a:solidFill>
+                            <a:schemeClr val="dk1"/>
+                          </a:solidFill>
+                          <a:effectLst/>
+                          <a:latin typeface="+mn-lt"/>
+                          <a:ea typeface="+mn-ea"/>
+                          <a:cs typeface="+mn-cs"/>
+                        </a:rPr>
+                        <a:t>The orbit shall be circular, between 400 to 500 km with an inclination greater than 50°</a:t>
+                      </a:r>
+                      <a:endParaRPr lang="fr-FR" dirty="0"/>
+                    </a:p>
+                  </a:txBody>
+                  <a:tcPr/>
+                </a:tc>
+                <a:extLst>
+                  <a:ext uri="{0D108BD9-81ED-4DB2-BD59-A6C34878D82A}">
+                    <a16:rowId xmlns:a16="http://schemas.microsoft.com/office/drawing/2014/main" val="655363682"/>
+                  </a:ext>
+                </a:extLst>
+              </a:tr>
+              <a:tr h="370840">
+                <a:tc>
+                  <a:txBody>
+                    <a:bodyPr/>
+                    <a:lstStyle/>
+                    <a:p>
+                      <a:pPr marL="0" marR="0" lvl="0" indent="0" algn="l" defTabSz="914400" rtl="0" eaLnBrk="1" fontAlgn="auto" latinLnBrk="0" hangingPunct="1">
+                        <a:lnSpc>
+                          <a:spcPct val="100000"/>
+                        </a:lnSpc>
+                        <a:spcBef>
+                          <a:spcPts val="0"/>
+                        </a:spcBef>
+                        <a:spcAft>
+                          <a:spcPts val="0"/>
+                        </a:spcAft>
+                        <a:buClrTx/>
+                        <a:buSzTx/>
+                        <a:buFontTx/>
+                        <a:buNone/>
+                        <a:tabLst/>
+                        <a:defRPr/>
+                      </a:pPr>
+                      <a:r>
+                        <a:rPr lang="fr-FR" dirty="0"/>
+                        <a:t>SYS-005</a:t>
+                      </a:r>
+                    </a:p>
+                  </a:txBody>
+                  <a:tcPr/>
+                </a:tc>
+                <a:tc>
+                  <a:txBody>
+                    <a:bodyPr/>
+                    <a:lstStyle/>
+                    <a:p>
+                      <a:r>
+                        <a:rPr lang="en-US" sz="1800" b="0" i="0" kern="1200" dirty="0">
+                          <a:solidFill>
+                            <a:schemeClr val="dk1"/>
+                          </a:solidFill>
+                          <a:effectLst/>
+                          <a:latin typeface="+mn-lt"/>
+                          <a:ea typeface="+mn-ea"/>
+                          <a:cs typeface="+mn-cs"/>
+                        </a:rPr>
+                        <a:t>Ground stations shall include at least one that is located in Toulouse</a:t>
+                      </a:r>
+                      <a:endParaRPr lang="fr-FR" dirty="0"/>
+                    </a:p>
+                  </a:txBody>
+                  <a:tcPr/>
+                </a:tc>
+                <a:extLst>
+                  <a:ext uri="{0D108BD9-81ED-4DB2-BD59-A6C34878D82A}">
+                    <a16:rowId xmlns:a16="http://schemas.microsoft.com/office/drawing/2014/main" val="50611764"/>
+                  </a:ext>
+                </a:extLst>
+              </a:tr>
+              <a:tr h="370840">
+                <a:tc>
+                  <a:txBody>
+                    <a:bodyPr/>
+                    <a:lstStyle/>
+                    <a:p>
+                      <a:pPr marL="0" marR="0" lvl="0" indent="0" algn="l" defTabSz="914400" rtl="0" eaLnBrk="1" fontAlgn="auto" latinLnBrk="0" hangingPunct="1">
+                        <a:lnSpc>
+                          <a:spcPct val="100000"/>
+                        </a:lnSpc>
+                        <a:spcBef>
+                          <a:spcPts val="0"/>
+                        </a:spcBef>
+                        <a:spcAft>
+                          <a:spcPts val="0"/>
+                        </a:spcAft>
+                        <a:buClrTx/>
+                        <a:buSzTx/>
+                        <a:buFontTx/>
+                        <a:buNone/>
+                        <a:tabLst/>
+                        <a:defRPr/>
+                      </a:pPr>
+                      <a:r>
+                        <a:rPr lang="fr-FR" dirty="0"/>
+                        <a:t>SYS-006</a:t>
+                      </a:r>
+                    </a:p>
+                    <a:p>
+                      <a:endParaRPr lang="fr-FR" dirty="0"/>
+                    </a:p>
+                  </a:txBody>
+                  <a:tcPr/>
+                </a:tc>
+                <a:tc>
+                  <a:txBody>
+                    <a:bodyPr/>
+                    <a:lstStyle/>
+                    <a:p>
+                      <a:r>
+                        <a:rPr lang="en-US" sz="1800" b="0" i="0" kern="1200" dirty="0" err="1">
+                          <a:solidFill>
+                            <a:schemeClr val="dk1"/>
+                          </a:solidFill>
+                          <a:effectLst/>
+                          <a:latin typeface="+mn-lt"/>
+                          <a:ea typeface="+mn-ea"/>
+                          <a:cs typeface="+mn-cs"/>
+                        </a:rPr>
+                        <a:t>SatNOGS</a:t>
+                      </a:r>
+                      <a:r>
+                        <a:rPr lang="en-US" sz="1800" b="0" i="0" kern="1200" dirty="0">
+                          <a:solidFill>
+                            <a:schemeClr val="dk1"/>
+                          </a:solidFill>
+                          <a:effectLst/>
+                          <a:latin typeface="+mn-lt"/>
+                          <a:ea typeface="+mn-ea"/>
+                          <a:cs typeface="+mn-cs"/>
+                        </a:rPr>
+                        <a:t> ground stations should be used complementarily for telemetry</a:t>
+                      </a:r>
+                      <a:endParaRPr lang="fr-FR" dirty="0"/>
+                    </a:p>
+                  </a:txBody>
+                  <a:tcPr/>
+                </a:tc>
+                <a:extLst>
+                  <a:ext uri="{0D108BD9-81ED-4DB2-BD59-A6C34878D82A}">
+                    <a16:rowId xmlns:a16="http://schemas.microsoft.com/office/drawing/2014/main" val="3374479146"/>
+                  </a:ext>
+                </a:extLst>
+              </a:tr>
+              <a:tr h="370840">
+                <a:tc>
+                  <a:txBody>
+                    <a:bodyPr/>
+                    <a:lstStyle/>
+                    <a:p>
+                      <a:pPr marL="0" marR="0" lvl="0" indent="0" algn="l" defTabSz="914400" rtl="0" eaLnBrk="1" fontAlgn="auto" latinLnBrk="0" hangingPunct="1">
+                        <a:lnSpc>
+                          <a:spcPct val="100000"/>
+                        </a:lnSpc>
+                        <a:spcBef>
+                          <a:spcPts val="0"/>
+                        </a:spcBef>
+                        <a:spcAft>
+                          <a:spcPts val="0"/>
+                        </a:spcAft>
+                        <a:buClrTx/>
+                        <a:buSzTx/>
+                        <a:buFontTx/>
+                        <a:buNone/>
+                        <a:tabLst/>
+                        <a:defRPr/>
+                      </a:pPr>
+                      <a:r>
+                        <a:rPr lang="fr-FR" dirty="0"/>
+                        <a:t>SYS-015</a:t>
+                      </a:r>
+                    </a:p>
+                    <a:p>
+                      <a:endParaRPr lang="fr-FR" dirty="0"/>
+                    </a:p>
+                  </a:txBody>
+                  <a:tcPr/>
+                </a:tc>
+                <a:tc>
+                  <a:txBody>
+                    <a:bodyPr/>
+                    <a:lstStyle/>
+                    <a:p>
+                      <a:r>
+                        <a:rPr lang="en-US" sz="1800" b="0" i="0" kern="1200" dirty="0">
+                          <a:solidFill>
+                            <a:schemeClr val="dk1"/>
+                          </a:solidFill>
+                          <a:effectLst/>
+                          <a:latin typeface="+mn-lt"/>
+                          <a:ea typeface="+mn-ea"/>
+                          <a:cs typeface="+mn-cs"/>
+                        </a:rPr>
+                        <a:t>The system shall provide attitude control in compliance with the payload requirements</a:t>
+                      </a:r>
+                      <a:endParaRPr lang="fr-FR" dirty="0"/>
+                    </a:p>
+                  </a:txBody>
+                  <a:tcPr/>
+                </a:tc>
+                <a:extLst>
+                  <a:ext uri="{0D108BD9-81ED-4DB2-BD59-A6C34878D82A}">
+                    <a16:rowId xmlns:a16="http://schemas.microsoft.com/office/drawing/2014/main" val="4179278763"/>
+                  </a:ext>
+                </a:extLst>
+              </a:tr>
+              <a:tr h="370840">
+                <a:tc>
+                  <a:txBody>
+                    <a:bodyPr/>
+                    <a:lstStyle/>
+                    <a:p>
+                      <a:pPr marL="0" marR="0" lvl="0" indent="0" algn="l" defTabSz="914400" rtl="0" eaLnBrk="1" fontAlgn="auto" latinLnBrk="0" hangingPunct="1">
+                        <a:lnSpc>
+                          <a:spcPct val="100000"/>
+                        </a:lnSpc>
+                        <a:spcBef>
+                          <a:spcPts val="0"/>
+                        </a:spcBef>
+                        <a:spcAft>
+                          <a:spcPts val="0"/>
+                        </a:spcAft>
+                        <a:buClrTx/>
+                        <a:buSzTx/>
+                        <a:buFontTx/>
+                        <a:buNone/>
+                        <a:tabLst/>
+                        <a:defRPr/>
+                      </a:pPr>
+                      <a:r>
+                        <a:rPr lang="fr-FR" dirty="0"/>
+                        <a:t>SYS-020</a:t>
+                      </a:r>
+                    </a:p>
+                  </a:txBody>
+                  <a:tcPr/>
+                </a:tc>
+                <a:tc>
+                  <a:txBody>
+                    <a:bodyPr/>
+                    <a:lstStyle/>
+                    <a:p>
+                      <a:r>
+                        <a:rPr lang="en-US" sz="1800" b="0" i="0" kern="1200" dirty="0">
+                          <a:solidFill>
+                            <a:schemeClr val="dk1"/>
+                          </a:solidFill>
+                          <a:effectLst/>
+                          <a:latin typeface="+mn-lt"/>
+                          <a:ea typeface="+mn-ea"/>
+                          <a:cs typeface="+mn-cs"/>
+                        </a:rPr>
+                        <a:t>The spacecraft shall transmit telemetry data every day</a:t>
+                      </a:r>
+                      <a:endParaRPr lang="fr-FR" dirty="0"/>
+                    </a:p>
+                  </a:txBody>
+                  <a:tcPr/>
+                </a:tc>
+                <a:extLst>
+                  <a:ext uri="{0D108BD9-81ED-4DB2-BD59-A6C34878D82A}">
+                    <a16:rowId xmlns:a16="http://schemas.microsoft.com/office/drawing/2014/main" val="1030642018"/>
+                  </a:ext>
+                </a:extLst>
+              </a:tr>
+              <a:tr h="370840">
+                <a:tc>
+                  <a:txBody>
+                    <a:bodyPr/>
+                    <a:lstStyle/>
+                    <a:p>
+                      <a:pPr marL="0" marR="0" lvl="0" indent="0" algn="l" defTabSz="914400" rtl="0" eaLnBrk="1" fontAlgn="auto" latinLnBrk="0" hangingPunct="1">
+                        <a:lnSpc>
+                          <a:spcPct val="100000"/>
+                        </a:lnSpc>
+                        <a:spcBef>
+                          <a:spcPts val="0"/>
+                        </a:spcBef>
+                        <a:spcAft>
+                          <a:spcPts val="0"/>
+                        </a:spcAft>
+                        <a:buClrTx/>
+                        <a:buSzTx/>
+                        <a:buFontTx/>
+                        <a:buNone/>
+                        <a:tabLst/>
+                        <a:defRPr/>
+                      </a:pPr>
+                      <a:r>
+                        <a:rPr lang="fr-FR" dirty="0"/>
+                        <a:t>SYS-040</a:t>
+                      </a:r>
+                    </a:p>
+                  </a:txBody>
+                  <a:tcPr/>
+                </a:tc>
+                <a:tc>
+                  <a:txBody>
+                    <a:bodyPr/>
+                    <a:lstStyle/>
+                    <a:p>
+                      <a:r>
+                        <a:rPr lang="en-US" sz="1800" b="0" i="0" kern="1200" dirty="0">
+                          <a:solidFill>
+                            <a:schemeClr val="dk1"/>
+                          </a:solidFill>
+                          <a:effectLst/>
+                          <a:latin typeface="+mn-lt"/>
+                          <a:ea typeface="+mn-ea"/>
+                          <a:cs typeface="+mn-cs"/>
+                        </a:rPr>
+                        <a:t>The spacecraft shall comply with the Cubesat Design Specifications</a:t>
+                      </a:r>
+                      <a:endParaRPr lang="fr-FR" dirty="0"/>
+                    </a:p>
+                  </a:txBody>
+                  <a:tcPr/>
+                </a:tc>
+                <a:extLst>
+                  <a:ext uri="{0D108BD9-81ED-4DB2-BD59-A6C34878D82A}">
+                    <a16:rowId xmlns:a16="http://schemas.microsoft.com/office/drawing/2014/main" val="3769696785"/>
+                  </a:ext>
+                </a:extLst>
+              </a:tr>
+            </a:tbl>
+          </a:graphicData>
+        </a:graphic>
+      </p:graphicFrame>
+    </p:spTree>
+    <p:extLst>
+      <p:ext uri="{BB962C8B-B14F-4D97-AF65-F5344CB8AC3E}">
+        <p14:creationId xmlns:p14="http://schemas.microsoft.com/office/powerpoint/2010/main" val="1184103435"/>
+      </p:ext>
+    </p:extLst>
+  </p:cSld>
+  <p:clrMapOvr>
+    <a:masterClrMapping/>
+  </p:clrMapOvr>
+</p:sld>
+</file>
+
+<file path=ppt/slides/slide3.xml><?xml version="1.0" encoding="utf-8"?>
+<p:sld xmlns:a="http://schemas.openxmlformats.org/drawingml/2006/main" xmlns:r="http://schemas.openxmlformats.org/officeDocument/2006/relationships" xmlns:p="http://schemas.openxmlformats.org/presentationml/2006/main">
+  <p:cSld>
+    <p:spTree>
+      <p:nvGrpSpPr>
+        <p:cNvPr id="1" name=""/>
+        <p:cNvGrpSpPr/>
+        <p:nvPr/>
+      </p:nvGrpSpPr>
+      <p:grpSpPr>
+        <a:xfrm>
+          <a:off x="0" y="0"/>
+          <a:ext cx="0" cy="0"/>
+          <a:chOff x="0" y="0"/>
+          <a:chExt cx="0" cy="0"/>
+        </a:xfrm>
+      </p:grpSpPr>
+      <p:sp>
+        <p:nvSpPr>
+          <p:cNvPr id="2" name="Titre 1">
+            <a:extLst>
+              <a:ext uri="{FF2B5EF4-FFF2-40B4-BE49-F238E27FC236}">
+                <a16:creationId xmlns:a16="http://schemas.microsoft.com/office/drawing/2014/main" id="{D4E83E69-8012-49E9-A235-C839895A0CF9}"/>
+              </a:ext>
+            </a:extLst>
+          </p:cNvPr>
+          <p:cNvSpPr>
+            <a:spLocks noGrp="1"/>
+          </p:cNvSpPr>
+          <p:nvPr>
+            <p:ph type="ctrTitle"/>
+          </p:nvPr>
+        </p:nvSpPr>
+        <p:spPr/>
+        <p:txBody>
+          <a:bodyPr/>
+          <a:lstStyle/>
+          <a:p>
+            <a:r>
+              <a:rPr lang="fr-FR" dirty="0"/>
+              <a:t>Mass Budget</a:t>
+            </a:r>
+          </a:p>
+        </p:txBody>
+      </p:sp>
+      <p:sp>
+        <p:nvSpPr>
+          <p:cNvPr id="3" name="Sous-titre 2">
+            <a:extLst>
+              <a:ext uri="{FF2B5EF4-FFF2-40B4-BE49-F238E27FC236}">
+                <a16:creationId xmlns:a16="http://schemas.microsoft.com/office/drawing/2014/main" id="{291C3A25-9417-45F1-AEBA-51ED479D2B21}"/>
+              </a:ext>
+            </a:extLst>
+          </p:cNvPr>
+          <p:cNvSpPr>
+            <a:spLocks noGrp="1"/>
+          </p:cNvSpPr>
+          <p:nvPr>
+            <p:ph type="subTitle" idx="1"/>
+          </p:nvPr>
+        </p:nvSpPr>
+        <p:spPr/>
+        <p:txBody>
+          <a:bodyPr/>
+          <a:lstStyle/>
+          <a:p>
+            <a:endParaRPr lang="fr-FR"/>
+          </a:p>
+        </p:txBody>
+      </p:sp>
+      <p:sp>
+        <p:nvSpPr>
+          <p:cNvPr id="4" name="Espace réservé du numéro de diapositive 3">
+            <a:extLst>
+              <a:ext uri="{FF2B5EF4-FFF2-40B4-BE49-F238E27FC236}">
+                <a16:creationId xmlns:a16="http://schemas.microsoft.com/office/drawing/2014/main" id="{C7A96420-06F7-409B-B24E-FF3CB0DD99A4}"/>
+              </a:ext>
+            </a:extLst>
+          </p:cNvPr>
+          <p:cNvSpPr>
+            <a:spLocks noGrp="1"/>
+          </p:cNvSpPr>
+          <p:nvPr>
+            <p:ph type="sldNum" sz="quarter" idx="12"/>
+          </p:nvPr>
+        </p:nvSpPr>
+        <p:spPr/>
+        <p:txBody>
+          <a:bodyPr/>
+          <a:lstStyle/>
+          <a:p>
+            <a:fld id="{9E937E72-11F5-44A2-9DC0-74EEC05A6D21}" type="slidenum">
+              <a:rPr lang="en-US" smtClean="0"/>
+              <a:pPr/>
+              <a:t>3</a:t>
+            </a:fld>
+            <a:endParaRPr lang="en-US" dirty="0"/>
+          </a:p>
+        </p:txBody>
+      </p:sp>
+      <p:sp>
+        <p:nvSpPr>
+          <p:cNvPr id="5" name="Espace réservé du texte 4">
+            <a:extLst>
+              <a:ext uri="{FF2B5EF4-FFF2-40B4-BE49-F238E27FC236}">
+                <a16:creationId xmlns:a16="http://schemas.microsoft.com/office/drawing/2014/main" id="{8604A23E-DC16-4DB8-BD4E-C5DA5A38254C}"/>
+              </a:ext>
+            </a:extLst>
+          </p:cNvPr>
+          <p:cNvSpPr>
+            <a:spLocks noGrp="1"/>
+          </p:cNvSpPr>
+          <p:nvPr>
+            <p:ph type="body" sz="quarter" idx="13"/>
+          </p:nvPr>
+        </p:nvSpPr>
+        <p:spPr/>
+        <p:txBody>
+          <a:bodyPr/>
+          <a:lstStyle/>
+          <a:p>
+            <a:r>
+              <a:rPr lang="fr-FR" dirty="0"/>
+              <a:t>II. Budgets</a:t>
+            </a:r>
+          </a:p>
+        </p:txBody>
+      </p:sp>
+      <p:graphicFrame>
+        <p:nvGraphicFramePr>
+          <p:cNvPr id="6" name="Tableau 5">
+            <a:extLst>
+              <a:ext uri="{FF2B5EF4-FFF2-40B4-BE49-F238E27FC236}">
+                <a16:creationId xmlns:a16="http://schemas.microsoft.com/office/drawing/2014/main" id="{182A9FE7-0096-4DCC-9B50-8E58C33360DB}"/>
+              </a:ext>
+            </a:extLst>
+          </p:cNvPr>
+          <p:cNvGraphicFramePr>
+            <a:graphicFrameLocks noGrp="1"/>
+          </p:cNvGraphicFramePr>
+          <p:nvPr>
+            <p:extLst>
+              <p:ext uri="{D42A27DB-BD31-4B8C-83A1-F6EECF244321}">
+                <p14:modId xmlns:p14="http://schemas.microsoft.com/office/powerpoint/2010/main" val="3420391876"/>
+              </p:ext>
+            </p:extLst>
+          </p:nvPr>
+        </p:nvGraphicFramePr>
+        <p:xfrm>
+          <a:off x="843388" y="1477637"/>
+          <a:ext cx="9549232" cy="4237474"/>
+        </p:xfrm>
+        <a:graphic>
+          <a:graphicData uri="http://schemas.openxmlformats.org/drawingml/2006/table">
+            <a:tbl>
+              <a:tblPr firstRow="1" bandRow="1">
+                <a:tableStyleId>{5C22544A-7EE6-4342-B048-85BDC9FD1C3A}</a:tableStyleId>
+              </a:tblPr>
+              <a:tblGrid>
+                <a:gridCol w="2387308">
+                  <a:extLst>
+                    <a:ext uri="{9D8B030D-6E8A-4147-A177-3AD203B41FA5}">
+                      <a16:colId xmlns:a16="http://schemas.microsoft.com/office/drawing/2014/main" val="568912365"/>
+                    </a:ext>
+                  </a:extLst>
+                </a:gridCol>
+                <a:gridCol w="2387308">
+                  <a:extLst>
+                    <a:ext uri="{9D8B030D-6E8A-4147-A177-3AD203B41FA5}">
+                      <a16:colId xmlns:a16="http://schemas.microsoft.com/office/drawing/2014/main" val="3681038124"/>
+                    </a:ext>
+                  </a:extLst>
+                </a:gridCol>
+                <a:gridCol w="2387308">
+                  <a:extLst>
+                    <a:ext uri="{9D8B030D-6E8A-4147-A177-3AD203B41FA5}">
+                      <a16:colId xmlns:a16="http://schemas.microsoft.com/office/drawing/2014/main" val="1062504014"/>
+                    </a:ext>
+                  </a:extLst>
+                </a:gridCol>
+                <a:gridCol w="2387308">
+                  <a:extLst>
+                    <a:ext uri="{9D8B030D-6E8A-4147-A177-3AD203B41FA5}">
+                      <a16:colId xmlns:a16="http://schemas.microsoft.com/office/drawing/2014/main" val="1960860793"/>
+                    </a:ext>
+                  </a:extLst>
+                </a:gridCol>
+              </a:tblGrid>
+              <a:tr h="435684">
+                <a:tc>
+                  <a:txBody>
+                    <a:bodyPr/>
+                    <a:lstStyle/>
+                    <a:p>
+                      <a:r>
+                        <a:rPr lang="fr-FR" sz="2100" dirty="0" err="1"/>
+                        <a:t>Subsystem</a:t>
+                      </a:r>
+                      <a:endParaRPr lang="fr-FR" sz="2100" dirty="0"/>
+                    </a:p>
+                  </a:txBody>
+                  <a:tcPr marL="107429" marR="107429" marT="53714" marB="53714"/>
+                </a:tc>
+                <a:tc>
+                  <a:txBody>
+                    <a:bodyPr/>
+                    <a:lstStyle/>
+                    <a:p>
+                      <a:r>
+                        <a:rPr lang="fr-FR" sz="2100" dirty="0"/>
+                        <a:t>Mass (kg)</a:t>
+                      </a:r>
+                    </a:p>
+                  </a:txBody>
+                  <a:tcPr marL="107429" marR="107429" marT="53714" marB="53714"/>
+                </a:tc>
+                <a:tc>
+                  <a:txBody>
+                    <a:bodyPr/>
+                    <a:lstStyle/>
+                    <a:p>
+                      <a:r>
+                        <a:rPr lang="fr-FR" sz="2100" dirty="0" err="1"/>
+                        <a:t>Margin</a:t>
+                      </a:r>
+                      <a:endParaRPr lang="fr-FR" sz="2100" dirty="0"/>
+                    </a:p>
+                  </a:txBody>
+                  <a:tcPr marL="107429" marR="107429" marT="53714" marB="53714"/>
+                </a:tc>
+                <a:tc>
+                  <a:txBody>
+                    <a:bodyPr/>
+                    <a:lstStyle/>
+                    <a:p>
+                      <a:r>
+                        <a:rPr lang="fr-FR" sz="2100" dirty="0"/>
+                        <a:t>Total Mass (kg)</a:t>
+                      </a:r>
+                    </a:p>
+                  </a:txBody>
+                  <a:tcPr marL="107429" marR="107429" marT="53714" marB="53714"/>
+                </a:tc>
+                <a:extLst>
+                  <a:ext uri="{0D108BD9-81ED-4DB2-BD59-A6C34878D82A}">
+                    <a16:rowId xmlns:a16="http://schemas.microsoft.com/office/drawing/2014/main" val="2830989152"/>
+                  </a:ext>
+                </a:extLst>
+              </a:tr>
+              <a:tr h="435684">
+                <a:tc>
+                  <a:txBody>
+                    <a:bodyPr/>
+                    <a:lstStyle/>
+                    <a:p>
+                      <a:r>
+                        <a:rPr lang="fr-FR" sz="2100" dirty="0"/>
+                        <a:t>POWER</a:t>
+                      </a:r>
+                    </a:p>
+                  </a:txBody>
+                  <a:tcPr marL="107429" marR="107429" marT="53714" marB="53714"/>
+                </a:tc>
+                <a:tc>
+                  <a:txBody>
+                    <a:bodyPr/>
+                    <a:lstStyle/>
+                    <a:p>
+                      <a:pPr algn="ctr"/>
+                      <a:r>
+                        <a:rPr lang="fr-FR" sz="2100" dirty="0"/>
+                        <a:t>0.69</a:t>
+                      </a:r>
+                    </a:p>
+                  </a:txBody>
+                  <a:tcPr marL="107429" marR="107429" marT="53714" marB="53714"/>
+                </a:tc>
+                <a:tc>
+                  <a:txBody>
+                    <a:bodyPr/>
+                    <a:lstStyle/>
+                    <a:p>
+                      <a:pPr algn="ctr"/>
+                      <a:r>
+                        <a:rPr lang="fr-FR" sz="2100" dirty="0"/>
+                        <a:t>5%</a:t>
+                      </a:r>
+                    </a:p>
+                  </a:txBody>
+                  <a:tcPr marL="107429" marR="107429" marT="53714" marB="53714"/>
+                </a:tc>
+                <a:tc>
+                  <a:txBody>
+                    <a:bodyPr/>
+                    <a:lstStyle/>
+                    <a:p>
+                      <a:pPr algn="ctr"/>
+                      <a:r>
+                        <a:rPr lang="fr-FR" sz="2100" dirty="0"/>
+                        <a:t>0.72</a:t>
+                      </a:r>
+                    </a:p>
+                  </a:txBody>
+                  <a:tcPr marL="107429" marR="107429" marT="53714" marB="53714"/>
+                </a:tc>
+                <a:extLst>
+                  <a:ext uri="{0D108BD9-81ED-4DB2-BD59-A6C34878D82A}">
+                    <a16:rowId xmlns:a16="http://schemas.microsoft.com/office/drawing/2014/main" val="720064832"/>
+                  </a:ext>
+                </a:extLst>
+              </a:tr>
+              <a:tr h="435684">
+                <a:tc>
+                  <a:txBody>
+                    <a:bodyPr/>
+                    <a:lstStyle/>
+                    <a:p>
+                      <a:r>
+                        <a:rPr lang="fr-FR" sz="2100" dirty="0"/>
+                        <a:t>STRUCTURE</a:t>
+                      </a:r>
+                    </a:p>
+                  </a:txBody>
+                  <a:tcPr marL="107429" marR="107429" marT="53714" marB="53714"/>
+                </a:tc>
+                <a:tc>
+                  <a:txBody>
+                    <a:bodyPr/>
+                    <a:lstStyle/>
+                    <a:p>
+                      <a:pPr algn="ctr"/>
+                      <a:r>
+                        <a:rPr lang="fr-FR" sz="2100" dirty="0"/>
+                        <a:t>0.30</a:t>
+                      </a:r>
+                    </a:p>
+                  </a:txBody>
+                  <a:tcPr marL="107429" marR="107429" marT="53714" marB="53714"/>
+                </a:tc>
+                <a:tc>
+                  <a:txBody>
+                    <a:bodyPr/>
+                    <a:lstStyle/>
+                    <a:p>
+                      <a:pPr algn="ctr"/>
+                      <a:r>
+                        <a:rPr lang="fr-FR" sz="2100" dirty="0"/>
+                        <a:t>20%</a:t>
+                      </a:r>
+                    </a:p>
+                  </a:txBody>
+                  <a:tcPr marL="107429" marR="107429" marT="53714" marB="53714"/>
+                </a:tc>
+                <a:tc>
+                  <a:txBody>
+                    <a:bodyPr/>
+                    <a:lstStyle/>
+                    <a:p>
+                      <a:pPr algn="ctr"/>
+                      <a:r>
+                        <a:rPr lang="fr-FR" sz="2100" dirty="0"/>
+                        <a:t>0.36</a:t>
+                      </a:r>
+                    </a:p>
+                  </a:txBody>
+                  <a:tcPr marL="107429" marR="107429" marT="53714" marB="53714"/>
+                </a:tc>
+                <a:extLst>
+                  <a:ext uri="{0D108BD9-81ED-4DB2-BD59-A6C34878D82A}">
+                    <a16:rowId xmlns:a16="http://schemas.microsoft.com/office/drawing/2014/main" val="3964810796"/>
+                  </a:ext>
+                </a:extLst>
+              </a:tr>
+              <a:tr h="435684">
+                <a:tc>
+                  <a:txBody>
+                    <a:bodyPr/>
+                    <a:lstStyle/>
+                    <a:p>
+                      <a:r>
+                        <a:rPr lang="fr-FR" sz="2100" dirty="0"/>
+                        <a:t>ADCS</a:t>
+                      </a:r>
+                    </a:p>
+                  </a:txBody>
+                  <a:tcPr marL="107429" marR="107429" marT="53714" marB="53714"/>
+                </a:tc>
+                <a:tc>
+                  <a:txBody>
+                    <a:bodyPr/>
+                    <a:lstStyle/>
+                    <a:p>
+                      <a:pPr algn="ctr"/>
+                      <a:r>
+                        <a:rPr lang="fr-FR" sz="2100" dirty="0"/>
+                        <a:t>0.20</a:t>
+                      </a:r>
+                    </a:p>
+                  </a:txBody>
+                  <a:tcPr marL="107429" marR="107429" marT="53714" marB="53714"/>
+                </a:tc>
+                <a:tc>
+                  <a:txBody>
+                    <a:bodyPr/>
+                    <a:lstStyle/>
+                    <a:p>
+                      <a:pPr algn="ctr"/>
+                      <a:r>
+                        <a:rPr lang="fr-FR" sz="2100" dirty="0"/>
+                        <a:t>5%</a:t>
+                      </a:r>
+                    </a:p>
+                  </a:txBody>
+                  <a:tcPr marL="107429" marR="107429" marT="53714" marB="53714"/>
+                </a:tc>
+                <a:tc>
+                  <a:txBody>
+                    <a:bodyPr/>
+                    <a:lstStyle/>
+                    <a:p>
+                      <a:pPr algn="ctr"/>
+                      <a:r>
+                        <a:rPr lang="fr-FR" sz="2100" dirty="0"/>
+                        <a:t>0.21</a:t>
+                      </a:r>
+                    </a:p>
+                  </a:txBody>
+                  <a:tcPr marL="107429" marR="107429" marT="53714" marB="53714"/>
+                </a:tc>
+                <a:extLst>
+                  <a:ext uri="{0D108BD9-81ED-4DB2-BD59-A6C34878D82A}">
+                    <a16:rowId xmlns:a16="http://schemas.microsoft.com/office/drawing/2014/main" val="525704353"/>
+                  </a:ext>
+                </a:extLst>
+              </a:tr>
+              <a:tr h="435684">
+                <a:tc>
+                  <a:txBody>
+                    <a:bodyPr/>
+                    <a:lstStyle/>
+                    <a:p>
+                      <a:r>
+                        <a:rPr lang="fr-FR" sz="2100" dirty="0"/>
+                        <a:t>COMMUNICATIONS</a:t>
+                      </a:r>
+                    </a:p>
+                  </a:txBody>
+                  <a:tcPr marL="107429" marR="107429" marT="53714" marB="53714"/>
+                </a:tc>
+                <a:tc>
+                  <a:txBody>
+                    <a:bodyPr/>
+                    <a:lstStyle/>
+                    <a:p>
+                      <a:pPr algn="ctr"/>
+                      <a:r>
+                        <a:rPr lang="fr-FR" sz="2100" dirty="0"/>
+                        <a:t>0.22</a:t>
+                      </a:r>
+                    </a:p>
+                  </a:txBody>
+                  <a:tcPr marL="107429" marR="107429" marT="53714" marB="53714"/>
+                </a:tc>
+                <a:tc>
+                  <a:txBody>
+                    <a:bodyPr/>
+                    <a:lstStyle/>
+                    <a:p>
+                      <a:pPr algn="ctr"/>
+                      <a:r>
+                        <a:rPr lang="fr-FR" sz="2100" dirty="0"/>
+                        <a:t>10.77%</a:t>
+                      </a:r>
+                    </a:p>
+                  </a:txBody>
+                  <a:tcPr marL="107429" marR="107429" marT="53714" marB="53714"/>
+                </a:tc>
+                <a:tc>
+                  <a:txBody>
+                    <a:bodyPr/>
+                    <a:lstStyle/>
+                    <a:p>
+                      <a:pPr algn="ctr"/>
+                      <a:r>
+                        <a:rPr lang="fr-FR" sz="2100" dirty="0"/>
+                        <a:t>0.24</a:t>
+                      </a:r>
+                    </a:p>
+                  </a:txBody>
+                  <a:tcPr marL="107429" marR="107429" marT="53714" marB="53714"/>
+                </a:tc>
+                <a:extLst>
+                  <a:ext uri="{0D108BD9-81ED-4DB2-BD59-A6C34878D82A}">
+                    <a16:rowId xmlns:a16="http://schemas.microsoft.com/office/drawing/2014/main" val="2776235011"/>
+                  </a:ext>
+                </a:extLst>
+              </a:tr>
+              <a:tr h="435684">
+                <a:tc>
+                  <a:txBody>
+                    <a:bodyPr/>
+                    <a:lstStyle/>
+                    <a:p>
+                      <a:r>
+                        <a:rPr lang="fr-FR" sz="2100" dirty="0"/>
+                        <a:t>OBDH</a:t>
+                      </a:r>
+                    </a:p>
+                  </a:txBody>
+                  <a:tcPr marL="107429" marR="107429" marT="53714" marB="53714"/>
+                </a:tc>
+                <a:tc>
+                  <a:txBody>
+                    <a:bodyPr/>
+                    <a:lstStyle/>
+                    <a:p>
+                      <a:pPr algn="ctr"/>
+                      <a:r>
+                        <a:rPr lang="fr-FR" sz="2100" dirty="0"/>
+                        <a:t>0.09</a:t>
+                      </a:r>
+                    </a:p>
+                  </a:txBody>
+                  <a:tcPr marL="107429" marR="107429" marT="53714" marB="53714"/>
+                </a:tc>
+                <a:tc>
+                  <a:txBody>
+                    <a:bodyPr/>
+                    <a:lstStyle/>
+                    <a:p>
+                      <a:pPr algn="ctr"/>
+                      <a:r>
+                        <a:rPr lang="fr-FR" sz="2100" dirty="0"/>
+                        <a:t>5%</a:t>
+                      </a:r>
+                    </a:p>
+                  </a:txBody>
+                  <a:tcPr marL="107429" marR="107429" marT="53714" marB="53714"/>
+                </a:tc>
+                <a:tc>
+                  <a:txBody>
+                    <a:bodyPr/>
+                    <a:lstStyle/>
+                    <a:p>
+                      <a:pPr algn="ctr"/>
+                      <a:r>
+                        <a:rPr lang="fr-FR" sz="2100" dirty="0"/>
+                        <a:t>0.10</a:t>
+                      </a:r>
+                    </a:p>
+                  </a:txBody>
+                  <a:tcPr marL="107429" marR="107429" marT="53714" marB="53714"/>
+                </a:tc>
+                <a:extLst>
+                  <a:ext uri="{0D108BD9-81ED-4DB2-BD59-A6C34878D82A}">
+                    <a16:rowId xmlns:a16="http://schemas.microsoft.com/office/drawing/2014/main" val="2545002883"/>
+                  </a:ext>
+                </a:extLst>
+              </a:tr>
+              <a:tr h="752002">
+                <a:tc>
+                  <a:txBody>
+                    <a:bodyPr/>
+                    <a:lstStyle/>
+                    <a:p>
+                      <a:r>
+                        <a:rPr lang="fr-FR" sz="2100" dirty="0"/>
+                        <a:t>GRAVIMETRY PAYLOAD</a:t>
+                      </a:r>
+                    </a:p>
+                  </a:txBody>
+                  <a:tcPr marL="107429" marR="107429" marT="53714" marB="53714"/>
+                </a:tc>
+                <a:tc>
+                  <a:txBody>
+                    <a:bodyPr/>
+                    <a:lstStyle/>
+                    <a:p>
+                      <a:pPr algn="ctr"/>
+                      <a:r>
+                        <a:rPr lang="fr-FR" sz="2100" dirty="0"/>
+                        <a:t>0.19</a:t>
+                      </a:r>
+                    </a:p>
+                  </a:txBody>
+                  <a:tcPr marL="107429" marR="107429" marT="53714" marB="53714"/>
+                </a:tc>
+                <a:tc>
+                  <a:txBody>
+                    <a:bodyPr/>
+                    <a:lstStyle/>
+                    <a:p>
+                      <a:pPr algn="ctr"/>
+                      <a:r>
+                        <a:rPr lang="fr-FR" sz="2100" dirty="0"/>
+                        <a:t>20%</a:t>
+                      </a:r>
+                    </a:p>
+                  </a:txBody>
+                  <a:tcPr marL="107429" marR="107429" marT="53714" marB="53714"/>
+                </a:tc>
+                <a:tc>
+                  <a:txBody>
+                    <a:bodyPr/>
+                    <a:lstStyle/>
+                    <a:p>
+                      <a:pPr algn="ctr"/>
+                      <a:r>
+                        <a:rPr lang="fr-FR" sz="2100" dirty="0"/>
+                        <a:t>0.22</a:t>
+                      </a:r>
+                    </a:p>
+                  </a:txBody>
+                  <a:tcPr marL="107429" marR="107429" marT="53714" marB="53714"/>
+                </a:tc>
+                <a:extLst>
+                  <a:ext uri="{0D108BD9-81ED-4DB2-BD59-A6C34878D82A}">
+                    <a16:rowId xmlns:a16="http://schemas.microsoft.com/office/drawing/2014/main" val="881122793"/>
+                  </a:ext>
+                </a:extLst>
+              </a:tr>
+              <a:tr h="435684">
+                <a:tc>
+                  <a:txBody>
+                    <a:bodyPr/>
+                    <a:lstStyle/>
+                    <a:p>
+                      <a:r>
+                        <a:rPr lang="fr-FR" sz="2100" dirty="0"/>
+                        <a:t>IRIDIUM PAYLOAD</a:t>
+                      </a:r>
+                    </a:p>
+                  </a:txBody>
+                  <a:tcPr marL="107429" marR="107429" marT="53714" marB="53714"/>
+                </a:tc>
+                <a:tc>
+                  <a:txBody>
+                    <a:bodyPr/>
+                    <a:lstStyle/>
+                    <a:p>
+                      <a:pPr algn="ctr"/>
+                      <a:r>
+                        <a:rPr lang="fr-FR" sz="2100" dirty="0"/>
+                        <a:t>0.10</a:t>
+                      </a:r>
+                    </a:p>
+                  </a:txBody>
+                  <a:tcPr marL="107429" marR="107429" marT="53714" marB="53714"/>
+                </a:tc>
+                <a:tc>
+                  <a:txBody>
+                    <a:bodyPr/>
+                    <a:lstStyle/>
+                    <a:p>
+                      <a:pPr algn="ctr"/>
+                      <a:r>
+                        <a:rPr lang="fr-FR" sz="2100" dirty="0"/>
+                        <a:t>20%</a:t>
+                      </a:r>
+                    </a:p>
+                  </a:txBody>
+                  <a:tcPr marL="107429" marR="107429" marT="53714" marB="53714"/>
+                </a:tc>
+                <a:tc>
+                  <a:txBody>
+                    <a:bodyPr/>
+                    <a:lstStyle/>
+                    <a:p>
+                      <a:pPr algn="ctr"/>
+                      <a:r>
+                        <a:rPr lang="fr-FR" sz="2100" dirty="0"/>
+                        <a:t>0.11</a:t>
+                      </a:r>
+                    </a:p>
+                  </a:txBody>
+                  <a:tcPr marL="107429" marR="107429" marT="53714" marB="53714"/>
+                </a:tc>
+                <a:extLst>
+                  <a:ext uri="{0D108BD9-81ED-4DB2-BD59-A6C34878D82A}">
+                    <a16:rowId xmlns:a16="http://schemas.microsoft.com/office/drawing/2014/main" val="2096127499"/>
+                  </a:ext>
+                </a:extLst>
+              </a:tr>
+              <a:tr h="435684">
+                <a:tc>
+                  <a:txBody>
+                    <a:bodyPr/>
+                    <a:lstStyle/>
+                    <a:p>
+                      <a:r>
+                        <a:rPr lang="fr-FR" sz="2100" dirty="0">
+                          <a:solidFill>
+                            <a:schemeClr val="bg1"/>
+                          </a:solidFill>
+                        </a:rPr>
+                        <a:t>TOTAL</a:t>
+                      </a:r>
+                    </a:p>
+                  </a:txBody>
+                  <a:tcPr marL="107429" marR="107429" marT="53714" marB="53714">
+                    <a:solidFill>
+                      <a:srgbClr val="00B0F0"/>
+                    </a:solidFill>
+                  </a:tcPr>
+                </a:tc>
+                <a:tc>
+                  <a:txBody>
+                    <a:bodyPr/>
+                    <a:lstStyle/>
+                    <a:p>
+                      <a:pPr algn="ctr"/>
+                      <a:r>
+                        <a:rPr lang="fr-FR" sz="2100" dirty="0">
+                          <a:solidFill>
+                            <a:schemeClr val="bg1"/>
+                          </a:solidFill>
+                        </a:rPr>
+                        <a:t>1.79</a:t>
+                      </a:r>
+                    </a:p>
+                  </a:txBody>
+                  <a:tcPr marL="107429" marR="107429" marT="53714" marB="53714">
+                    <a:solidFill>
+                      <a:srgbClr val="00B0F0"/>
+                    </a:solidFill>
+                  </a:tcPr>
+                </a:tc>
+                <a:tc>
+                  <a:txBody>
+                    <a:bodyPr/>
+                    <a:lstStyle/>
+                    <a:p>
+                      <a:pPr algn="ctr"/>
+                      <a:r>
+                        <a:rPr lang="fr-FR" sz="2100" dirty="0">
+                          <a:solidFill>
+                            <a:schemeClr val="bg1"/>
+                          </a:solidFill>
+                        </a:rPr>
+                        <a:t>20% system </a:t>
+                      </a:r>
+                      <a:r>
+                        <a:rPr lang="fr-FR" sz="2100" dirty="0" err="1">
+                          <a:solidFill>
+                            <a:schemeClr val="bg1"/>
+                          </a:solidFill>
+                        </a:rPr>
+                        <a:t>margin</a:t>
+                      </a:r>
+                      <a:endParaRPr lang="fr-FR" sz="2100" dirty="0">
+                        <a:solidFill>
+                          <a:schemeClr val="bg1"/>
+                        </a:solidFill>
+                      </a:endParaRPr>
+                    </a:p>
+                  </a:txBody>
+                  <a:tcPr marL="107429" marR="107429" marT="53714" marB="53714">
+                    <a:solidFill>
+                      <a:srgbClr val="00B0F0"/>
+                    </a:solidFill>
+                  </a:tcPr>
+                </a:tc>
+                <a:tc>
+                  <a:txBody>
+                    <a:bodyPr/>
+                    <a:lstStyle/>
+                    <a:p>
+                      <a:pPr algn="ctr"/>
+                      <a:r>
+                        <a:rPr lang="fr-FR" sz="2100" b="1" dirty="0">
+                          <a:solidFill>
+                            <a:schemeClr val="bg1"/>
+                          </a:solidFill>
+                        </a:rPr>
+                        <a:t>2.36</a:t>
+                      </a:r>
+                    </a:p>
+                  </a:txBody>
+                  <a:tcPr marL="107429" marR="107429" marT="53714" marB="53714">
+                    <a:solidFill>
+                      <a:srgbClr val="00B0F0"/>
+                    </a:solidFill>
+                  </a:tcPr>
+                </a:tc>
+                <a:extLst>
+                  <a:ext uri="{0D108BD9-81ED-4DB2-BD59-A6C34878D82A}">
+                    <a16:rowId xmlns:a16="http://schemas.microsoft.com/office/drawing/2014/main" val="1562769933"/>
+                  </a:ext>
+                </a:extLst>
+              </a:tr>
+            </a:tbl>
+          </a:graphicData>
+        </a:graphic>
+      </p:graphicFrame>
+      <p:sp>
+        <p:nvSpPr>
+          <p:cNvPr id="7" name="Rectangle 6">
+            <a:extLst>
+              <a:ext uri="{FF2B5EF4-FFF2-40B4-BE49-F238E27FC236}">
+                <a16:creationId xmlns:a16="http://schemas.microsoft.com/office/drawing/2014/main" id="{BDDB022E-DDA0-4EFC-BC50-F845ED895CD7}"/>
+              </a:ext>
+            </a:extLst>
+          </p:cNvPr>
+          <p:cNvSpPr/>
+          <p:nvPr/>
+        </p:nvSpPr>
+        <p:spPr>
+          <a:xfrm>
+            <a:off x="8011992" y="5291595"/>
+            <a:ext cx="2380628" cy="433783"/>
+          </a:xfrm>
+          <a:prstGeom prst="rect">
+            <a:avLst/>
+          </a:prstGeom>
+          <a:noFill/>
+          <a:ln w="38100">
+            <a:solidFill>
+              <a:srgbClr val="FF0000"/>
+            </a:solidFill>
+          </a:ln>
+        </p:spPr>
+        <p:style>
+          <a:lnRef idx="2">
+            <a:schemeClr val="accent1">
+              <a:shade val="50000"/>
+            </a:schemeClr>
+          </a:lnRef>
+          <a:fillRef idx="1">
+            <a:schemeClr val="accent1"/>
+          </a:fillRef>
+          <a:effectRef idx="0">
+            <a:schemeClr val="accent1"/>
+          </a:effectRef>
+          <a:fontRef idx="minor">
+            <a:schemeClr val="lt1"/>
+          </a:fontRef>
+        </p:style>
+        <p:txBody>
+          <a:bodyPr rtlCol="0" anchor="ctr"/>
+          <a:lstStyle/>
+          <a:p>
+            <a:pPr algn="ctr"/>
+            <a:endParaRPr lang="fr-FR"/>
+          </a:p>
+        </p:txBody>
+      </p:sp>
+    </p:spTree>
+    <p:extLst>
+      <p:ext uri="{BB962C8B-B14F-4D97-AF65-F5344CB8AC3E}">
+        <p14:creationId xmlns:p14="http://schemas.microsoft.com/office/powerpoint/2010/main" val="1323395023"/>
+      </p:ext>
+    </p:extLst>
+  </p:cSld>
+  <p:clrMapOvr>
+    <a:masterClrMapping/>
+  </p:clrMapOvr>
+</p:sld>
+</file>
+
+<file path=ppt/slides/slide4.xml><?xml version="1.0" encoding="utf-8"?>
+<p:sld xmlns:a="http://schemas.openxmlformats.org/drawingml/2006/main" xmlns:r="http://schemas.openxmlformats.org/officeDocument/2006/relationships" xmlns:p="http://schemas.openxmlformats.org/presentationml/2006/main">
+  <p:cSld>
+    <p:spTree>
+      <p:nvGrpSpPr>
+        <p:cNvPr id="1" name=""/>
+        <p:cNvGrpSpPr/>
+        <p:nvPr/>
+      </p:nvGrpSpPr>
+      <p:grpSpPr>
+        <a:xfrm>
+          <a:off x="0" y="0"/>
+          <a:ext cx="0" cy="0"/>
+          <a:chOff x="0" y="0"/>
+          <a:chExt cx="0" cy="0"/>
+        </a:xfrm>
+      </p:grpSpPr>
+      <p:sp>
+        <p:nvSpPr>
+          <p:cNvPr id="2" name="Titre 1">
+            <a:extLst>
+              <a:ext uri="{FF2B5EF4-FFF2-40B4-BE49-F238E27FC236}">
+                <a16:creationId xmlns:a16="http://schemas.microsoft.com/office/drawing/2014/main" id="{B780E804-6C4A-4B72-945E-B919C5267956}"/>
+              </a:ext>
+            </a:extLst>
+          </p:cNvPr>
+          <p:cNvSpPr>
+            <a:spLocks noGrp="1"/>
+          </p:cNvSpPr>
+          <p:nvPr>
+            <p:ph type="ctrTitle"/>
+          </p:nvPr>
+        </p:nvSpPr>
+        <p:spPr/>
+        <p:txBody>
+          <a:bodyPr/>
+          <a:lstStyle/>
+          <a:p>
+            <a:r>
+              <a:rPr lang="fr-FR" dirty="0"/>
+              <a:t>Power Budget</a:t>
+            </a:r>
+          </a:p>
+        </p:txBody>
+      </p:sp>
+      <p:sp>
+        <p:nvSpPr>
+          <p:cNvPr id="4" name="Espace réservé du numéro de diapositive 3">
+            <a:extLst>
+              <a:ext uri="{FF2B5EF4-FFF2-40B4-BE49-F238E27FC236}">
+                <a16:creationId xmlns:a16="http://schemas.microsoft.com/office/drawing/2014/main" id="{5F0757CB-204B-440C-B625-6E8446A6A162}"/>
+              </a:ext>
+            </a:extLst>
+          </p:cNvPr>
+          <p:cNvSpPr>
+            <a:spLocks noGrp="1"/>
+          </p:cNvSpPr>
+          <p:nvPr>
+            <p:ph type="sldNum" sz="quarter" idx="12"/>
+          </p:nvPr>
+        </p:nvSpPr>
+        <p:spPr/>
+        <p:txBody>
+          <a:bodyPr/>
+          <a:lstStyle/>
+          <a:p>
+            <a:fld id="{9E937E72-11F5-44A2-9DC0-74EEC05A6D21}" type="slidenum">
+              <a:rPr lang="en-US" smtClean="0"/>
+              <a:pPr/>
+              <a:t>4</a:t>
+            </a:fld>
+            <a:endParaRPr lang="en-US" dirty="0"/>
+          </a:p>
+        </p:txBody>
+      </p:sp>
+      <p:sp>
+        <p:nvSpPr>
+          <p:cNvPr id="5" name="Espace réservé du texte 4">
+            <a:extLst>
+              <a:ext uri="{FF2B5EF4-FFF2-40B4-BE49-F238E27FC236}">
+                <a16:creationId xmlns:a16="http://schemas.microsoft.com/office/drawing/2014/main" id="{882DF99B-EDC9-4B7C-AA14-238058446547}"/>
+              </a:ext>
+            </a:extLst>
+          </p:cNvPr>
+          <p:cNvSpPr>
+            <a:spLocks noGrp="1"/>
+          </p:cNvSpPr>
+          <p:nvPr>
+            <p:ph type="body" sz="quarter" idx="13"/>
+          </p:nvPr>
+        </p:nvSpPr>
+        <p:spPr/>
+        <p:txBody>
+          <a:bodyPr/>
+          <a:lstStyle/>
+          <a:p>
+            <a:r>
+              <a:rPr lang="fr-FR" dirty="0"/>
+              <a:t>II. Budgets</a:t>
+            </a:r>
+          </a:p>
+        </p:txBody>
+      </p:sp>
+      <p:graphicFrame>
+        <p:nvGraphicFramePr>
+          <p:cNvPr id="8" name="Tableau 7">
+            <a:extLst>
+              <a:ext uri="{FF2B5EF4-FFF2-40B4-BE49-F238E27FC236}">
+                <a16:creationId xmlns:a16="http://schemas.microsoft.com/office/drawing/2014/main" id="{6F9B33A6-2E97-4037-9E69-CC1A9AF5B4A3}"/>
+              </a:ext>
+            </a:extLst>
+          </p:cNvPr>
+          <p:cNvGraphicFramePr>
+            <a:graphicFrameLocks noGrp="1"/>
+          </p:cNvGraphicFramePr>
+          <p:nvPr>
+            <p:extLst>
+              <p:ext uri="{D42A27DB-BD31-4B8C-83A1-F6EECF244321}">
+                <p14:modId xmlns:p14="http://schemas.microsoft.com/office/powerpoint/2010/main" val="3199778753"/>
+              </p:ext>
+            </p:extLst>
+          </p:nvPr>
+        </p:nvGraphicFramePr>
+        <p:xfrm>
+          <a:off x="187728" y="2267366"/>
+          <a:ext cx="10864516" cy="1752600"/>
+        </p:xfrm>
+        <a:graphic>
+          <a:graphicData uri="http://schemas.openxmlformats.org/drawingml/2006/table">
+            <a:tbl>
+              <a:tblPr firstRow="1" bandRow="1">
+                <a:tableStyleId>{5C22544A-7EE6-4342-B048-85BDC9FD1C3A}</a:tableStyleId>
+              </a:tblPr>
+              <a:tblGrid>
+                <a:gridCol w="3246845">
+                  <a:extLst>
+                    <a:ext uri="{9D8B030D-6E8A-4147-A177-3AD203B41FA5}">
+                      <a16:colId xmlns:a16="http://schemas.microsoft.com/office/drawing/2014/main" val="271035175"/>
+                    </a:ext>
+                  </a:extLst>
+                </a:gridCol>
+                <a:gridCol w="978820">
+                  <a:extLst>
+                    <a:ext uri="{9D8B030D-6E8A-4147-A177-3AD203B41FA5}">
+                      <a16:colId xmlns:a16="http://schemas.microsoft.com/office/drawing/2014/main" val="2180542210"/>
+                    </a:ext>
+                  </a:extLst>
+                </a:gridCol>
+                <a:gridCol w="1232120">
+                  <a:extLst>
+                    <a:ext uri="{9D8B030D-6E8A-4147-A177-3AD203B41FA5}">
+                      <a16:colId xmlns:a16="http://schemas.microsoft.com/office/drawing/2014/main" val="1327627503"/>
+                    </a:ext>
+                  </a:extLst>
+                </a:gridCol>
+                <a:gridCol w="1740097">
+                  <a:extLst>
+                    <a:ext uri="{9D8B030D-6E8A-4147-A177-3AD203B41FA5}">
+                      <a16:colId xmlns:a16="http://schemas.microsoft.com/office/drawing/2014/main" val="2168954547"/>
+                    </a:ext>
+                  </a:extLst>
+                </a:gridCol>
+                <a:gridCol w="999552">
+                  <a:extLst>
+                    <a:ext uri="{9D8B030D-6E8A-4147-A177-3AD203B41FA5}">
+                      <a16:colId xmlns:a16="http://schemas.microsoft.com/office/drawing/2014/main" val="2892233114"/>
+                    </a:ext>
+                  </a:extLst>
+                </a:gridCol>
+                <a:gridCol w="1512614">
+                  <a:extLst>
+                    <a:ext uri="{9D8B030D-6E8A-4147-A177-3AD203B41FA5}">
+                      <a16:colId xmlns:a16="http://schemas.microsoft.com/office/drawing/2014/main" val="2084262221"/>
+                    </a:ext>
+                  </a:extLst>
+                </a:gridCol>
+                <a:gridCol w="1154468">
+                  <a:extLst>
+                    <a:ext uri="{9D8B030D-6E8A-4147-A177-3AD203B41FA5}">
+                      <a16:colId xmlns:a16="http://schemas.microsoft.com/office/drawing/2014/main" val="1090092780"/>
+                    </a:ext>
+                  </a:extLst>
+                </a:gridCol>
+              </a:tblGrid>
+              <a:tr h="370840">
+                <a:tc>
+                  <a:txBody>
+                    <a:bodyPr/>
+                    <a:lstStyle/>
+                    <a:p>
+                      <a:r>
+                        <a:rPr lang="fr-FR" dirty="0"/>
+                        <a:t>Power Mode</a:t>
+                      </a:r>
+                    </a:p>
+                  </a:txBody>
+                  <a:tcPr/>
+                </a:tc>
+                <a:tc>
+                  <a:txBody>
+                    <a:bodyPr/>
+                    <a:lstStyle/>
+                    <a:p>
+                      <a:r>
+                        <a:rPr lang="fr-FR" dirty="0"/>
+                        <a:t>ECLIPSE</a:t>
+                      </a:r>
+                    </a:p>
+                  </a:txBody>
+                  <a:tcPr/>
+                </a:tc>
+                <a:tc>
+                  <a:txBody>
+                    <a:bodyPr/>
+                    <a:lstStyle/>
+                    <a:p>
+                      <a:r>
+                        <a:rPr lang="fr-FR" dirty="0"/>
+                        <a:t>RECHARGE</a:t>
+                      </a:r>
+                    </a:p>
+                  </a:txBody>
+                  <a:tcPr/>
+                </a:tc>
+                <a:tc>
+                  <a:txBody>
+                    <a:bodyPr/>
+                    <a:lstStyle/>
+                    <a:p>
+                      <a:r>
+                        <a:rPr lang="fr-FR" dirty="0"/>
+                        <a:t>TRANSMISSION</a:t>
+                      </a:r>
+                    </a:p>
+                  </a:txBody>
+                  <a:tcPr/>
+                </a:tc>
+                <a:tc>
+                  <a:txBody>
+                    <a:bodyPr/>
+                    <a:lstStyle/>
+                    <a:p>
+                      <a:r>
+                        <a:rPr lang="fr-FR" dirty="0"/>
+                        <a:t>IRIDIUM</a:t>
+                      </a:r>
+                    </a:p>
+                  </a:txBody>
+                  <a:tcPr/>
+                </a:tc>
+                <a:tc>
+                  <a:txBody>
+                    <a:bodyPr/>
+                    <a:lstStyle/>
+                    <a:p>
+                      <a:r>
+                        <a:rPr lang="fr-FR" dirty="0"/>
+                        <a:t>GRAVIMETRY</a:t>
+                      </a:r>
+                    </a:p>
+                  </a:txBody>
+                  <a:tcPr/>
+                </a:tc>
+                <a:tc>
+                  <a:txBody>
+                    <a:bodyPr/>
+                    <a:lstStyle/>
+                    <a:p>
+                      <a:r>
+                        <a:rPr lang="fr-FR" dirty="0"/>
+                        <a:t>TOTAL</a:t>
+                      </a:r>
+                    </a:p>
+                  </a:txBody>
+                  <a:tcPr/>
+                </a:tc>
+                <a:extLst>
+                  <a:ext uri="{0D108BD9-81ED-4DB2-BD59-A6C34878D82A}">
+                    <a16:rowId xmlns:a16="http://schemas.microsoft.com/office/drawing/2014/main" val="2630853469"/>
+                  </a:ext>
+                </a:extLst>
+              </a:tr>
+              <a:tr h="370840">
+                <a:tc>
+                  <a:txBody>
+                    <a:bodyPr/>
+                    <a:lstStyle/>
+                    <a:p>
+                      <a:r>
+                        <a:rPr lang="fr-FR" dirty="0"/>
+                        <a:t>Total </a:t>
+                      </a:r>
+                      <a:r>
+                        <a:rPr lang="fr-FR" dirty="0" err="1"/>
+                        <a:t>consumed</a:t>
+                      </a:r>
+                      <a:r>
+                        <a:rPr lang="fr-FR" dirty="0"/>
+                        <a:t>  power (W)</a:t>
+                      </a:r>
+                    </a:p>
+                    <a:p>
+                      <a:r>
+                        <a:rPr lang="fr-FR" dirty="0"/>
+                        <a:t>(</a:t>
+                      </a:r>
+                      <a:r>
+                        <a:rPr lang="fr-FR" dirty="0" err="1"/>
+                        <a:t>Including</a:t>
+                      </a:r>
+                      <a:r>
+                        <a:rPr lang="fr-FR" dirty="0"/>
+                        <a:t> 20% System </a:t>
+                      </a:r>
+                      <a:r>
+                        <a:rPr lang="fr-FR" dirty="0" err="1"/>
+                        <a:t>Margin</a:t>
+                      </a:r>
+                      <a:r>
+                        <a:rPr lang="fr-FR" dirty="0"/>
+                        <a:t>)</a:t>
+                      </a:r>
+                    </a:p>
+                  </a:txBody>
+                  <a:tcPr/>
+                </a:tc>
+                <a:tc>
+                  <a:txBody>
+                    <a:bodyPr/>
+                    <a:lstStyle/>
+                    <a:p>
+                      <a:pPr algn="ctr"/>
+                      <a:r>
+                        <a:rPr lang="fr-FR" dirty="0"/>
+                        <a:t>1.2834</a:t>
+                      </a:r>
+                    </a:p>
+                  </a:txBody>
+                  <a:tcPr/>
+                </a:tc>
+                <a:tc>
+                  <a:txBody>
+                    <a:bodyPr/>
+                    <a:lstStyle/>
+                    <a:p>
+                      <a:pPr algn="ctr"/>
+                      <a:r>
+                        <a:rPr lang="fr-FR" dirty="0"/>
+                        <a:t>1.2834</a:t>
+                      </a:r>
+                    </a:p>
+                  </a:txBody>
+                  <a:tcPr/>
+                </a:tc>
+                <a:tc>
+                  <a:txBody>
+                    <a:bodyPr/>
+                    <a:lstStyle/>
+                    <a:p>
+                      <a:pPr algn="ctr"/>
+                      <a:r>
+                        <a:rPr lang="fr-FR" dirty="0"/>
+                        <a:t>7.9734</a:t>
+                      </a:r>
+                    </a:p>
+                  </a:txBody>
+                  <a:tcPr/>
+                </a:tc>
+                <a:tc>
+                  <a:txBody>
+                    <a:bodyPr/>
+                    <a:lstStyle/>
+                    <a:p>
+                      <a:pPr algn="ctr"/>
+                      <a:r>
+                        <a:rPr lang="fr-FR" dirty="0"/>
+                        <a:t>4.5504</a:t>
+                      </a:r>
+                    </a:p>
+                  </a:txBody>
+                  <a:tcPr/>
+                </a:tc>
+                <a:tc>
+                  <a:txBody>
+                    <a:bodyPr/>
+                    <a:lstStyle/>
+                    <a:p>
+                      <a:pPr algn="ctr"/>
+                      <a:r>
+                        <a:rPr lang="fr-FR" dirty="0"/>
+                        <a:t>2.9772</a:t>
+                      </a:r>
+                    </a:p>
+                  </a:txBody>
+                  <a:tcPr/>
+                </a:tc>
+                <a:tc>
+                  <a:txBody>
+                    <a:bodyPr/>
+                    <a:lstStyle/>
+                    <a:p>
+                      <a:pPr algn="ctr"/>
+                      <a:r>
+                        <a:rPr lang="fr-FR" dirty="0"/>
+                        <a:t>-</a:t>
+                      </a:r>
+                    </a:p>
+                  </a:txBody>
+                  <a:tcPr/>
+                </a:tc>
+                <a:extLst>
+                  <a:ext uri="{0D108BD9-81ED-4DB2-BD59-A6C34878D82A}">
+                    <a16:rowId xmlns:a16="http://schemas.microsoft.com/office/drawing/2014/main" val="1874195011"/>
+                  </a:ext>
+                </a:extLst>
+              </a:tr>
+              <a:tr h="370840">
+                <a:tc>
+                  <a:txBody>
+                    <a:bodyPr/>
+                    <a:lstStyle/>
+                    <a:p>
+                      <a:r>
+                        <a:rPr lang="fr-FR" dirty="0"/>
+                        <a:t>Duty Cycle</a:t>
+                      </a:r>
+                    </a:p>
+                  </a:txBody>
+                  <a:tcPr/>
+                </a:tc>
+                <a:tc>
+                  <a:txBody>
+                    <a:bodyPr/>
+                    <a:lstStyle/>
+                    <a:p>
+                      <a:pPr algn="ctr"/>
+                      <a:r>
+                        <a:rPr lang="fr-FR" dirty="0"/>
+                        <a:t>33%</a:t>
+                      </a:r>
+                    </a:p>
+                  </a:txBody>
+                  <a:tcPr/>
+                </a:tc>
+                <a:tc>
+                  <a:txBody>
+                    <a:bodyPr/>
+                    <a:lstStyle/>
+                    <a:p>
+                      <a:pPr algn="ctr"/>
+                      <a:r>
+                        <a:rPr lang="fr-FR" dirty="0"/>
+                        <a:t>24%</a:t>
+                      </a:r>
+                    </a:p>
+                  </a:txBody>
+                  <a:tcPr/>
+                </a:tc>
+                <a:tc>
+                  <a:txBody>
+                    <a:bodyPr/>
+                    <a:lstStyle/>
+                    <a:p>
+                      <a:pPr algn="ctr"/>
+                      <a:r>
+                        <a:rPr lang="fr-FR" dirty="0"/>
+                        <a:t>3%</a:t>
+                      </a:r>
+                    </a:p>
+                  </a:txBody>
+                  <a:tcPr/>
+                </a:tc>
+                <a:tc>
+                  <a:txBody>
+                    <a:bodyPr/>
+                    <a:lstStyle/>
+                    <a:p>
+                      <a:pPr algn="ctr"/>
+                      <a:r>
+                        <a:rPr lang="fr-FR" dirty="0"/>
+                        <a:t>20%</a:t>
+                      </a:r>
+                    </a:p>
+                  </a:txBody>
+                  <a:tcPr/>
+                </a:tc>
+                <a:tc>
+                  <a:txBody>
+                    <a:bodyPr/>
+                    <a:lstStyle/>
+                    <a:p>
+                      <a:pPr algn="ctr"/>
+                      <a:r>
+                        <a:rPr lang="fr-FR" dirty="0"/>
+                        <a:t>20%</a:t>
+                      </a:r>
+                    </a:p>
+                  </a:txBody>
+                  <a:tcPr/>
+                </a:tc>
+                <a:tc>
+                  <a:txBody>
+                    <a:bodyPr/>
+                    <a:lstStyle/>
+                    <a:p>
+                      <a:pPr algn="ctr"/>
+                      <a:r>
+                        <a:rPr lang="fr-FR" dirty="0"/>
+                        <a:t>-</a:t>
+                      </a:r>
+                    </a:p>
+                  </a:txBody>
+                  <a:tcPr>
+                    <a:lnB w="12700" cap="flat" cmpd="sng" algn="ctr">
+                      <a:noFill/>
+                      <a:prstDash val="solid"/>
+                      <a:round/>
+                      <a:headEnd type="none" w="med" len="med"/>
+                      <a:tailEnd type="none" w="med" len="med"/>
+                    </a:lnB>
+                  </a:tcPr>
+                </a:tc>
+                <a:extLst>
+                  <a:ext uri="{0D108BD9-81ED-4DB2-BD59-A6C34878D82A}">
+                    <a16:rowId xmlns:a16="http://schemas.microsoft.com/office/drawing/2014/main" val="4198095671"/>
+                  </a:ext>
+                </a:extLst>
+              </a:tr>
+              <a:tr h="370840">
+                <a:tc>
+                  <a:txBody>
+                    <a:bodyPr/>
+                    <a:lstStyle/>
+                    <a:p>
+                      <a:pPr marL="0" marR="0" lvl="0" indent="0" algn="l" defTabSz="914400" rtl="0" eaLnBrk="1" fontAlgn="auto" latinLnBrk="0" hangingPunct="1">
+                        <a:lnSpc>
+                          <a:spcPct val="100000"/>
+                        </a:lnSpc>
+                        <a:spcBef>
+                          <a:spcPts val="0"/>
+                        </a:spcBef>
+                        <a:spcAft>
+                          <a:spcPts val="0"/>
+                        </a:spcAft>
+                        <a:buClrTx/>
+                        <a:buSzTx/>
+                        <a:buFontTx/>
+                        <a:buNone/>
+                        <a:tabLst/>
+                        <a:defRPr/>
+                      </a:pPr>
+                      <a:r>
+                        <a:rPr lang="fr-FR" dirty="0" err="1"/>
+                        <a:t>Average</a:t>
+                      </a:r>
+                      <a:r>
+                        <a:rPr lang="fr-FR" dirty="0"/>
+                        <a:t> </a:t>
+                      </a:r>
+                      <a:r>
+                        <a:rPr lang="fr-FR" dirty="0" err="1"/>
+                        <a:t>consumed</a:t>
+                      </a:r>
+                      <a:r>
+                        <a:rPr lang="fr-FR" dirty="0"/>
+                        <a:t>  power (W)</a:t>
+                      </a:r>
+                    </a:p>
+                  </a:txBody>
+                  <a:tcPr>
+                    <a:solidFill>
+                      <a:srgbClr val="00B0F0"/>
+                    </a:solidFill>
+                  </a:tcPr>
+                </a:tc>
+                <a:tc>
+                  <a:txBody>
+                    <a:bodyPr/>
+                    <a:lstStyle/>
+                    <a:p>
+                      <a:pPr algn="ctr"/>
+                      <a:r>
+                        <a:rPr lang="fr-FR" dirty="0"/>
+                        <a:t>0.428</a:t>
+                      </a:r>
+                    </a:p>
+                  </a:txBody>
+                  <a:tcPr>
+                    <a:solidFill>
+                      <a:srgbClr val="00B0F0"/>
+                    </a:solidFill>
+                  </a:tcPr>
+                </a:tc>
+                <a:tc>
+                  <a:txBody>
+                    <a:bodyPr/>
+                    <a:lstStyle/>
+                    <a:p>
+                      <a:pPr algn="ctr"/>
+                      <a:r>
+                        <a:rPr lang="fr-FR" dirty="0"/>
+                        <a:t>0.308</a:t>
+                      </a:r>
+                    </a:p>
+                  </a:txBody>
+                  <a:tcPr>
+                    <a:solidFill>
+                      <a:srgbClr val="00B0F0"/>
+                    </a:solidFill>
+                  </a:tcPr>
+                </a:tc>
+                <a:tc>
+                  <a:txBody>
+                    <a:bodyPr/>
+                    <a:lstStyle/>
+                    <a:p>
+                      <a:pPr algn="ctr"/>
+                      <a:r>
+                        <a:rPr lang="fr-FR" dirty="0"/>
+                        <a:t>0.239</a:t>
+                      </a:r>
+                    </a:p>
+                  </a:txBody>
+                  <a:tcPr>
+                    <a:solidFill>
+                      <a:srgbClr val="00B0F0"/>
+                    </a:solidFill>
+                  </a:tcPr>
+                </a:tc>
+                <a:tc>
+                  <a:txBody>
+                    <a:bodyPr/>
+                    <a:lstStyle/>
+                    <a:p>
+                      <a:pPr algn="ctr"/>
+                      <a:r>
+                        <a:rPr lang="fr-FR" dirty="0"/>
+                        <a:t>0.910</a:t>
+                      </a:r>
+                    </a:p>
+                  </a:txBody>
+                  <a:tcPr>
+                    <a:solidFill>
+                      <a:srgbClr val="00B0F0"/>
+                    </a:solidFill>
+                  </a:tcPr>
+                </a:tc>
+                <a:tc>
+                  <a:txBody>
+                    <a:bodyPr/>
+                    <a:lstStyle/>
+                    <a:p>
+                      <a:pPr algn="ctr"/>
+                      <a:r>
+                        <a:rPr lang="fr-FR" dirty="0"/>
+                        <a:t>0.595</a:t>
+                      </a:r>
+                    </a:p>
+                  </a:txBody>
+                  <a:tcPr>
+                    <a:lnR w="12700" cap="flat" cmpd="sng" algn="ctr">
+                      <a:noFill/>
+                      <a:prstDash val="solid"/>
+                      <a:round/>
+                      <a:headEnd type="none" w="med" len="med"/>
+                      <a:tailEnd type="none" w="med" len="med"/>
+                    </a:lnR>
+                    <a:solidFill>
+                      <a:srgbClr val="00B0F0"/>
+                    </a:solidFill>
+                  </a:tcPr>
+                </a:tc>
+                <a:tc>
+                  <a:txBody>
+                    <a:bodyPr/>
+                    <a:lstStyle/>
+                    <a:p>
+                      <a:pPr algn="ctr"/>
+                      <a:r>
+                        <a:rPr lang="fr-FR" dirty="0"/>
+                        <a:t>2.476</a:t>
+                      </a:r>
+                    </a:p>
+                  </a:txBody>
+                  <a:tcPr>
+                    <a:lnL w="12700" cap="flat" cmpd="sng" algn="ctr">
+                      <a:noFill/>
+                      <a:prstDash val="solid"/>
+                      <a:round/>
+                      <a:headEnd type="none" w="med" len="med"/>
+                      <a:tailEnd type="none" w="med" len="med"/>
+                    </a:lnL>
+                    <a:lnR w="12700" cap="flat" cmpd="sng" algn="ctr">
+                      <a:noFill/>
+                      <a:prstDash val="solid"/>
+                      <a:round/>
+                      <a:headEnd type="none" w="med" len="med"/>
+                      <a:tailEnd type="none" w="med" len="med"/>
+                    </a:lnR>
+                    <a:lnT w="12700" cap="flat" cmpd="sng" algn="ctr">
+                      <a:noFill/>
+                      <a:prstDash val="solid"/>
+                      <a:round/>
+                      <a:headEnd type="none" w="med" len="med"/>
+                      <a:tailEnd type="none" w="med" len="med"/>
+                    </a:lnT>
+                    <a:lnB w="12700" cap="flat" cmpd="sng" algn="ctr">
+                      <a:noFill/>
+                      <a:prstDash val="solid"/>
+                      <a:round/>
+                      <a:headEnd type="none" w="med" len="med"/>
+                      <a:tailEnd type="none" w="med" len="med"/>
+                    </a:lnB>
+                    <a:solidFill>
+                      <a:srgbClr val="00B0F0"/>
+                    </a:solidFill>
+                  </a:tcPr>
+                </a:tc>
+                <a:extLst>
+                  <a:ext uri="{0D108BD9-81ED-4DB2-BD59-A6C34878D82A}">
+                    <a16:rowId xmlns:a16="http://schemas.microsoft.com/office/drawing/2014/main" val="1454579984"/>
+                  </a:ext>
+                </a:extLst>
+              </a:tr>
+            </a:tbl>
+          </a:graphicData>
+        </a:graphic>
+      </p:graphicFrame>
+      <p:sp>
+        <p:nvSpPr>
+          <p:cNvPr id="9" name="Rectangle 8">
+            <a:extLst>
+              <a:ext uri="{FF2B5EF4-FFF2-40B4-BE49-F238E27FC236}">
+                <a16:creationId xmlns:a16="http://schemas.microsoft.com/office/drawing/2014/main" id="{5FAB3291-B563-42C2-B29F-67F2AEF4C284}"/>
+              </a:ext>
+            </a:extLst>
+          </p:cNvPr>
+          <p:cNvSpPr/>
+          <p:nvPr/>
+        </p:nvSpPr>
+        <p:spPr>
+          <a:xfrm>
+            <a:off x="9885180" y="3654841"/>
+            <a:ext cx="1167064" cy="365125"/>
+          </a:xfrm>
+          <a:prstGeom prst="rect">
+            <a:avLst/>
+          </a:prstGeom>
+          <a:noFill/>
+          <a:ln w="38100">
+            <a:solidFill>
+              <a:srgbClr val="FF0000"/>
+            </a:solidFill>
+          </a:ln>
+        </p:spPr>
+        <p:style>
+          <a:lnRef idx="2">
+            <a:schemeClr val="accent1">
+              <a:shade val="50000"/>
+            </a:schemeClr>
+          </a:lnRef>
+          <a:fillRef idx="1">
+            <a:schemeClr val="accent1"/>
+          </a:fillRef>
+          <a:effectRef idx="0">
+            <a:schemeClr val="accent1"/>
+          </a:effectRef>
+          <a:fontRef idx="minor">
+            <a:schemeClr val="lt1"/>
+          </a:fontRef>
+        </p:style>
+        <p:txBody>
+          <a:bodyPr rtlCol="0" anchor="ctr"/>
+          <a:lstStyle/>
+          <a:p>
+            <a:pPr algn="ctr"/>
+            <a:endParaRPr lang="fr-FR"/>
+          </a:p>
+        </p:txBody>
+      </p:sp>
+    </p:spTree>
+    <p:extLst>
+      <p:ext uri="{BB962C8B-B14F-4D97-AF65-F5344CB8AC3E}">
+        <p14:creationId xmlns:p14="http://schemas.microsoft.com/office/powerpoint/2010/main" val="3569184276"/>
+      </p:ext>
+    </p:extLst>
+  </p:cSld>
+  <p:clrMapOvr>
+    <a:masterClrMapping/>
+  </p:clrMapOvr>
+</p:sld>
+</file>
+
+<file path=ppt/slides/slide5.xml><?xml version="1.0" encoding="utf-8"?>
+<p:sld xmlns:a="http://schemas.openxmlformats.org/drawingml/2006/main" xmlns:r="http://schemas.openxmlformats.org/officeDocument/2006/relationships" xmlns:p="http://schemas.openxmlformats.org/presentationml/2006/main">
+  <p:cSld>
+    <p:spTree>
+      <p:nvGrpSpPr>
+        <p:cNvPr id="1" name=""/>
+        <p:cNvGrpSpPr/>
+        <p:nvPr/>
+      </p:nvGrpSpPr>
+      <p:grpSpPr>
+        <a:xfrm>
+          <a:off x="0" y="0"/>
+          <a:ext cx="0" cy="0"/>
+          <a:chOff x="0" y="0"/>
+          <a:chExt cx="0" cy="0"/>
+        </a:xfrm>
+      </p:grpSpPr>
+      <p:sp>
+        <p:nvSpPr>
+          <p:cNvPr id="2" name="Titre 1">
+            <a:extLst>
+              <a:ext uri="{FF2B5EF4-FFF2-40B4-BE49-F238E27FC236}">
+                <a16:creationId xmlns:a16="http://schemas.microsoft.com/office/drawing/2014/main" id="{10442A40-CD17-443A-B021-85109605043D}"/>
+              </a:ext>
+            </a:extLst>
+          </p:cNvPr>
+          <p:cNvSpPr>
+            <a:spLocks noGrp="1"/>
+          </p:cNvSpPr>
+          <p:nvPr>
+            <p:ph type="ctrTitle"/>
+          </p:nvPr>
+        </p:nvSpPr>
+        <p:spPr/>
+        <p:txBody>
+          <a:bodyPr/>
+          <a:lstStyle/>
+          <a:p>
+            <a:r>
+              <a:rPr lang="fr-FR" dirty="0"/>
+              <a:t>Link Budget</a:t>
+            </a:r>
+          </a:p>
+        </p:txBody>
+      </p:sp>
+      <p:sp>
+        <p:nvSpPr>
+          <p:cNvPr id="3" name="Sous-titre 2">
+            <a:extLst>
+              <a:ext uri="{FF2B5EF4-FFF2-40B4-BE49-F238E27FC236}">
+                <a16:creationId xmlns:a16="http://schemas.microsoft.com/office/drawing/2014/main" id="{716804F7-FBE3-4A92-8CBE-4FE3D60AF4CB}"/>
+              </a:ext>
+            </a:extLst>
+          </p:cNvPr>
+          <p:cNvSpPr>
+            <a:spLocks noGrp="1"/>
+          </p:cNvSpPr>
+          <p:nvPr>
+            <p:ph type="subTitle" idx="1"/>
+          </p:nvPr>
+        </p:nvSpPr>
+        <p:spPr>
+          <a:xfrm>
+            <a:off x="1046004" y="2493232"/>
+            <a:ext cx="9144000" cy="509338"/>
+          </a:xfrm>
+        </p:spPr>
+        <p:txBody>
+          <a:bodyPr/>
+          <a:lstStyle/>
+          <a:p>
+            <a:r>
+              <a:rPr lang="fr-FR" dirty="0"/>
+              <a:t>SEE </a:t>
+            </a:r>
+            <a:r>
+              <a:rPr lang="fr-FR" dirty="0" err="1"/>
+              <a:t>with</a:t>
+            </a:r>
+            <a:r>
+              <a:rPr lang="fr-FR" dirty="0"/>
+              <a:t> the COMS </a:t>
+            </a:r>
+            <a:r>
+              <a:rPr lang="fr-FR" dirty="0" err="1"/>
+              <a:t>subsystem</a:t>
+            </a:r>
+            <a:r>
+              <a:rPr lang="fr-FR" dirty="0"/>
+              <a:t> ;)</a:t>
+            </a:r>
+          </a:p>
+        </p:txBody>
+      </p:sp>
+      <p:sp>
+        <p:nvSpPr>
+          <p:cNvPr id="4" name="Espace réservé du numéro de diapositive 3">
+            <a:extLst>
+              <a:ext uri="{FF2B5EF4-FFF2-40B4-BE49-F238E27FC236}">
+                <a16:creationId xmlns:a16="http://schemas.microsoft.com/office/drawing/2014/main" id="{969BC431-09FB-4B93-B9C1-6E007751103A}"/>
+              </a:ext>
+            </a:extLst>
+          </p:cNvPr>
+          <p:cNvSpPr>
+            <a:spLocks noGrp="1"/>
+          </p:cNvSpPr>
+          <p:nvPr>
+            <p:ph type="sldNum" sz="quarter" idx="12"/>
+          </p:nvPr>
+        </p:nvSpPr>
+        <p:spPr/>
+        <p:txBody>
+          <a:bodyPr/>
+          <a:lstStyle/>
+          <a:p>
+            <a:fld id="{9E937E72-11F5-44A2-9DC0-74EEC05A6D21}" type="slidenum">
+              <a:rPr lang="en-US" smtClean="0"/>
+              <a:pPr/>
+              <a:t>5</a:t>
+            </a:fld>
+            <a:endParaRPr lang="en-US" dirty="0"/>
+          </a:p>
+        </p:txBody>
+      </p:sp>
+      <p:sp>
+        <p:nvSpPr>
+          <p:cNvPr id="5" name="Espace réservé du texte 4">
+            <a:extLst>
+              <a:ext uri="{FF2B5EF4-FFF2-40B4-BE49-F238E27FC236}">
+                <a16:creationId xmlns:a16="http://schemas.microsoft.com/office/drawing/2014/main" id="{E9EFEC23-29A9-49DC-B705-30334C097088}"/>
+              </a:ext>
+            </a:extLst>
+          </p:cNvPr>
+          <p:cNvSpPr>
+            <a:spLocks noGrp="1"/>
+          </p:cNvSpPr>
+          <p:nvPr>
+            <p:ph type="body" sz="quarter" idx="13"/>
+          </p:nvPr>
+        </p:nvSpPr>
+        <p:spPr/>
+        <p:txBody>
+          <a:bodyPr/>
+          <a:lstStyle/>
+          <a:p>
+            <a:r>
+              <a:rPr lang="fr-FR" dirty="0"/>
+              <a:t>II. Budgets</a:t>
+            </a:r>
+          </a:p>
+        </p:txBody>
+      </p:sp>
+    </p:spTree>
+    <p:extLst>
+      <p:ext uri="{BB962C8B-B14F-4D97-AF65-F5344CB8AC3E}">
+        <p14:creationId xmlns:p14="http://schemas.microsoft.com/office/powerpoint/2010/main" val="2137405551"/>
+      </p:ext>
+    </p:extLst>
+  </p:cSld>
+  <p:clrMapOvr>
+    <a:masterClrMapping/>
+  </p:clrMapOvr>
+</p:sld>
+</file>
+
+<file path=ppt/slides/slide6.xml><?xml version="1.0" encoding="utf-8"?>
+<p:sld xmlns:a="http://schemas.openxmlformats.org/drawingml/2006/main" xmlns:r="http://schemas.openxmlformats.org/officeDocument/2006/relationships" xmlns:p="http://schemas.openxmlformats.org/presentationml/2006/main">
+  <p:cSld>
+    <p:spTree>
+      <p:nvGrpSpPr>
+        <p:cNvPr id="1" name=""/>
+        <p:cNvGrpSpPr/>
+        <p:nvPr/>
+      </p:nvGrpSpPr>
+      <p:grpSpPr>
+        <a:xfrm>
+          <a:off x="0" y="0"/>
+          <a:ext cx="0" cy="0"/>
+          <a:chOff x="0" y="0"/>
+          <a:chExt cx="0" cy="0"/>
+        </a:xfrm>
+      </p:grpSpPr>
+      <p:sp>
+        <p:nvSpPr>
+          <p:cNvPr id="6" name="Title 5">
+            <a:extLst>
+              <a:ext uri="{FF2B5EF4-FFF2-40B4-BE49-F238E27FC236}">
+                <a16:creationId xmlns:a16="http://schemas.microsoft.com/office/drawing/2014/main" id="{5E393053-3CB2-4A49-A992-F603BAF69D5D}"/>
+              </a:ext>
+            </a:extLst>
+          </p:cNvPr>
+          <p:cNvSpPr>
+            <a:spLocks noGrp="1"/>
+          </p:cNvSpPr>
+          <p:nvPr>
+            <p:ph type="ctrTitle"/>
+          </p:nvPr>
+        </p:nvSpPr>
+        <p:spPr/>
+        <p:txBody>
+          <a:bodyPr/>
+          <a:lstStyle/>
+          <a:p>
+            <a:r>
+              <a:rPr lang="fr-FR" dirty="0"/>
+              <a:t>Financial Budget</a:t>
+            </a:r>
+          </a:p>
+        </p:txBody>
+      </p:sp>
+      <p:sp>
+        <p:nvSpPr>
+          <p:cNvPr id="4" name="Slide Number Placeholder 3">
+            <a:extLst>
+              <a:ext uri="{FF2B5EF4-FFF2-40B4-BE49-F238E27FC236}">
+                <a16:creationId xmlns:a16="http://schemas.microsoft.com/office/drawing/2014/main" id="{EAF889AD-97B8-4733-9DDE-75B21E04C93D}"/>
+              </a:ext>
+            </a:extLst>
+          </p:cNvPr>
+          <p:cNvSpPr>
+            <a:spLocks noGrp="1"/>
+          </p:cNvSpPr>
+          <p:nvPr>
+            <p:ph type="sldNum" sz="quarter" idx="12"/>
+          </p:nvPr>
+        </p:nvSpPr>
+        <p:spPr/>
+        <p:txBody>
+          <a:bodyPr/>
+          <a:lstStyle/>
+          <a:p>
+            <a:fld id="{9E937E72-11F5-44A2-9DC0-74EEC05A6D21}" type="slidenum">
+              <a:rPr lang="en-US" smtClean="0"/>
+              <a:pPr/>
+              <a:t>6</a:t>
+            </a:fld>
+            <a:endParaRPr lang="en-US" dirty="0"/>
+          </a:p>
+        </p:txBody>
+      </p:sp>
+      <p:sp>
+        <p:nvSpPr>
+          <p:cNvPr id="8" name="Text Placeholder 7">
+            <a:extLst>
+              <a:ext uri="{FF2B5EF4-FFF2-40B4-BE49-F238E27FC236}">
+                <a16:creationId xmlns:a16="http://schemas.microsoft.com/office/drawing/2014/main" id="{C1076AF6-A67F-47F1-BA34-62A577ABB510}"/>
+              </a:ext>
+            </a:extLst>
+          </p:cNvPr>
+          <p:cNvSpPr>
+            <a:spLocks noGrp="1"/>
+          </p:cNvSpPr>
+          <p:nvPr>
+            <p:ph type="body" sz="quarter" idx="13"/>
+          </p:nvPr>
+        </p:nvSpPr>
+        <p:spPr/>
+        <p:txBody>
+          <a:bodyPr/>
+          <a:lstStyle/>
+          <a:p>
+            <a:r>
+              <a:rPr lang="fr-FR" dirty="0"/>
+              <a:t>II. Budgets</a:t>
+            </a:r>
           </a:p>
         </p:txBody>
       </p:sp>
@@ -3786,7 +6291,1439 @@
     </p:spTree>
     <p:extLst>
       <p:ext uri="{BB962C8B-B14F-4D97-AF65-F5344CB8AC3E}">
-        <p14:creationId xmlns:p14="http://schemas.microsoft.com/office/powerpoint/2010/main" val="1962755622"/>
+        <p14:creationId xmlns:p14="http://schemas.microsoft.com/office/powerpoint/2010/main" val="2862606254"/>
+      </p:ext>
+    </p:extLst>
+  </p:cSld>
+  <p:clrMapOvr>
+    <a:masterClrMapping/>
+  </p:clrMapOvr>
+</p:sld>
+</file>
+
+<file path=ppt/slides/slide7.xml><?xml version="1.0" encoding="utf-8"?>
+<p:sld xmlns:a="http://schemas.openxmlformats.org/drawingml/2006/main" xmlns:r="http://schemas.openxmlformats.org/officeDocument/2006/relationships" xmlns:p="http://schemas.openxmlformats.org/presentationml/2006/main">
+  <p:cSld>
+    <p:spTree>
+      <p:nvGrpSpPr>
+        <p:cNvPr id="1" name=""/>
+        <p:cNvGrpSpPr/>
+        <p:nvPr/>
+      </p:nvGrpSpPr>
+      <p:grpSpPr>
+        <a:xfrm>
+          <a:off x="0" y="0"/>
+          <a:ext cx="0" cy="0"/>
+          <a:chOff x="0" y="0"/>
+          <a:chExt cx="0" cy="0"/>
+        </a:xfrm>
+      </p:grpSpPr>
+      <p:sp>
+        <p:nvSpPr>
+          <p:cNvPr id="2" name="Titre 1">
+            <a:extLst>
+              <a:ext uri="{FF2B5EF4-FFF2-40B4-BE49-F238E27FC236}">
+                <a16:creationId xmlns:a16="http://schemas.microsoft.com/office/drawing/2014/main" id="{667DD15C-97CA-4915-A502-200EAFBA6015}"/>
+              </a:ext>
+            </a:extLst>
+          </p:cNvPr>
+          <p:cNvSpPr>
+            <a:spLocks noGrp="1"/>
+          </p:cNvSpPr>
+          <p:nvPr>
+            <p:ph type="ctrTitle"/>
+          </p:nvPr>
+        </p:nvSpPr>
+        <p:spPr/>
+        <p:txBody>
+          <a:bodyPr/>
+          <a:lstStyle/>
+          <a:p>
+            <a:r>
+              <a:rPr lang="fr-FR" dirty="0"/>
+              <a:t>Financial Budget</a:t>
+            </a:r>
+          </a:p>
+        </p:txBody>
+      </p:sp>
+      <p:sp>
+        <p:nvSpPr>
+          <p:cNvPr id="4" name="Espace réservé du numéro de diapositive 3">
+            <a:extLst>
+              <a:ext uri="{FF2B5EF4-FFF2-40B4-BE49-F238E27FC236}">
+                <a16:creationId xmlns:a16="http://schemas.microsoft.com/office/drawing/2014/main" id="{F18B2236-47AB-44B5-B375-618A4DB3C3B0}"/>
+              </a:ext>
+            </a:extLst>
+          </p:cNvPr>
+          <p:cNvSpPr>
+            <a:spLocks noGrp="1"/>
+          </p:cNvSpPr>
+          <p:nvPr>
+            <p:ph type="sldNum" sz="quarter" idx="12"/>
+          </p:nvPr>
+        </p:nvSpPr>
+        <p:spPr/>
+        <p:txBody>
+          <a:bodyPr/>
+          <a:lstStyle/>
+          <a:p>
+            <a:fld id="{9E937E72-11F5-44A2-9DC0-74EEC05A6D21}" type="slidenum">
+              <a:rPr lang="en-US" smtClean="0"/>
+              <a:pPr/>
+              <a:t>7</a:t>
+            </a:fld>
+            <a:endParaRPr lang="en-US" dirty="0"/>
+          </a:p>
+        </p:txBody>
+      </p:sp>
+      <p:sp>
+        <p:nvSpPr>
+          <p:cNvPr id="5" name="Espace réservé du texte 4">
+            <a:extLst>
+              <a:ext uri="{FF2B5EF4-FFF2-40B4-BE49-F238E27FC236}">
+                <a16:creationId xmlns:a16="http://schemas.microsoft.com/office/drawing/2014/main" id="{19BF92F5-3383-4286-9E7C-CE551EEE7DC8}"/>
+              </a:ext>
+            </a:extLst>
+          </p:cNvPr>
+          <p:cNvSpPr>
+            <a:spLocks noGrp="1"/>
+          </p:cNvSpPr>
+          <p:nvPr>
+            <p:ph type="body" sz="quarter" idx="13"/>
+          </p:nvPr>
+        </p:nvSpPr>
+        <p:spPr/>
+        <p:txBody>
+          <a:bodyPr/>
+          <a:lstStyle/>
+          <a:p>
+            <a:r>
+              <a:rPr lang="fr-FR" dirty="0"/>
+              <a:t>II. Budgets</a:t>
+            </a:r>
+          </a:p>
+        </p:txBody>
+      </p:sp>
+      <p:graphicFrame>
+        <p:nvGraphicFramePr>
+          <p:cNvPr id="6" name="Tableau 5">
+            <a:extLst>
+              <a:ext uri="{FF2B5EF4-FFF2-40B4-BE49-F238E27FC236}">
+                <a16:creationId xmlns:a16="http://schemas.microsoft.com/office/drawing/2014/main" id="{EDB6C9CC-F7D1-46EE-BA85-2F00112E13BB}"/>
+              </a:ext>
+            </a:extLst>
+          </p:cNvPr>
+          <p:cNvGraphicFramePr>
+            <a:graphicFrameLocks noGrp="1"/>
+          </p:cNvGraphicFramePr>
+          <p:nvPr>
+            <p:extLst>
+              <p:ext uri="{D42A27DB-BD31-4B8C-83A1-F6EECF244321}">
+                <p14:modId xmlns:p14="http://schemas.microsoft.com/office/powerpoint/2010/main" val="3703603801"/>
+              </p:ext>
+            </p:extLst>
+          </p:nvPr>
+        </p:nvGraphicFramePr>
+        <p:xfrm>
+          <a:off x="1385820" y="1281239"/>
+          <a:ext cx="9420360" cy="4866192"/>
+        </p:xfrm>
+        <a:graphic>
+          <a:graphicData uri="http://schemas.openxmlformats.org/drawingml/2006/table">
+            <a:tbl>
+              <a:tblPr firstRow="1" bandRow="1">
+                <a:tableStyleId>{5C22544A-7EE6-4342-B048-85BDC9FD1C3A}</a:tableStyleId>
+              </a:tblPr>
+              <a:tblGrid>
+                <a:gridCol w="3140120">
+                  <a:extLst>
+                    <a:ext uri="{9D8B030D-6E8A-4147-A177-3AD203B41FA5}">
+                      <a16:colId xmlns:a16="http://schemas.microsoft.com/office/drawing/2014/main" val="706131683"/>
+                    </a:ext>
+                  </a:extLst>
+                </a:gridCol>
+                <a:gridCol w="1870840">
+                  <a:extLst>
+                    <a:ext uri="{9D8B030D-6E8A-4147-A177-3AD203B41FA5}">
+                      <a16:colId xmlns:a16="http://schemas.microsoft.com/office/drawing/2014/main" val="3588572272"/>
+                    </a:ext>
+                  </a:extLst>
+                </a:gridCol>
+                <a:gridCol w="4409400">
+                  <a:extLst>
+                    <a:ext uri="{9D8B030D-6E8A-4147-A177-3AD203B41FA5}">
+                      <a16:colId xmlns:a16="http://schemas.microsoft.com/office/drawing/2014/main" val="1435806506"/>
+                    </a:ext>
+                  </a:extLst>
+                </a:gridCol>
+              </a:tblGrid>
+              <a:tr h="405516">
+                <a:tc>
+                  <a:txBody>
+                    <a:bodyPr/>
+                    <a:lstStyle/>
+                    <a:p>
+                      <a:endParaRPr lang="fr-FR" sz="2000" dirty="0"/>
+                    </a:p>
+                  </a:txBody>
+                  <a:tcPr marL="99990" marR="99990" marT="49995" marB="49995"/>
+                </a:tc>
+                <a:tc>
+                  <a:txBody>
+                    <a:bodyPr/>
+                    <a:lstStyle/>
+                    <a:p>
+                      <a:r>
+                        <a:rPr lang="fr-FR" sz="2000" dirty="0" err="1"/>
+                        <a:t>Estimated</a:t>
+                      </a:r>
+                      <a:r>
+                        <a:rPr lang="fr-FR" sz="2000" dirty="0"/>
+                        <a:t> </a:t>
+                      </a:r>
+                      <a:r>
+                        <a:rPr lang="fr-FR" sz="2000" dirty="0" err="1"/>
+                        <a:t>price</a:t>
+                      </a:r>
+                      <a:endParaRPr lang="fr-FR" sz="2000" dirty="0"/>
+                    </a:p>
+                  </a:txBody>
+                  <a:tcPr marL="99990" marR="99990" marT="49995" marB="49995"/>
+                </a:tc>
+                <a:tc>
+                  <a:txBody>
+                    <a:bodyPr/>
+                    <a:lstStyle/>
+                    <a:p>
+                      <a:r>
+                        <a:rPr lang="fr-FR" sz="2000" dirty="0"/>
+                        <a:t>Comment</a:t>
+                      </a:r>
+                    </a:p>
+                  </a:txBody>
+                  <a:tcPr marL="99990" marR="99990" marT="49995" marB="49995"/>
+                </a:tc>
+                <a:extLst>
+                  <a:ext uri="{0D108BD9-81ED-4DB2-BD59-A6C34878D82A}">
+                    <a16:rowId xmlns:a16="http://schemas.microsoft.com/office/drawing/2014/main" val="1437800169"/>
+                  </a:ext>
+                </a:extLst>
+              </a:tr>
+              <a:tr h="405516">
+                <a:tc>
+                  <a:txBody>
+                    <a:bodyPr/>
+                    <a:lstStyle/>
+                    <a:p>
+                      <a:r>
+                        <a:rPr lang="fr-FR" sz="2000" dirty="0"/>
+                        <a:t>Communication</a:t>
+                      </a:r>
+                    </a:p>
+                  </a:txBody>
+                  <a:tcPr marL="99990" marR="99990" marT="49995" marB="49995"/>
+                </a:tc>
+                <a:tc>
+                  <a:txBody>
+                    <a:bodyPr/>
+                    <a:lstStyle/>
+                    <a:p>
+                      <a:r>
+                        <a:rPr lang="fr-FR" sz="2000" dirty="0"/>
+                        <a:t>9750 €</a:t>
+                      </a:r>
+                    </a:p>
+                  </a:txBody>
+                  <a:tcPr marL="99990" marR="99990" marT="49995" marB="49995"/>
+                </a:tc>
+                <a:tc>
+                  <a:txBody>
+                    <a:bodyPr/>
+                    <a:lstStyle/>
+                    <a:p>
+                      <a:endParaRPr lang="fr-FR" sz="2000"/>
+                    </a:p>
+                  </a:txBody>
+                  <a:tcPr marL="99990" marR="99990" marT="49995" marB="49995"/>
+                </a:tc>
+                <a:extLst>
+                  <a:ext uri="{0D108BD9-81ED-4DB2-BD59-A6C34878D82A}">
+                    <a16:rowId xmlns:a16="http://schemas.microsoft.com/office/drawing/2014/main" val="3854044003"/>
+                  </a:ext>
+                </a:extLst>
+              </a:tr>
+              <a:tr h="405516">
+                <a:tc>
+                  <a:txBody>
+                    <a:bodyPr/>
+                    <a:lstStyle/>
+                    <a:p>
+                      <a:r>
+                        <a:rPr lang="fr-FR" sz="2000" dirty="0"/>
+                        <a:t>Power</a:t>
+                      </a:r>
+                    </a:p>
+                  </a:txBody>
+                  <a:tcPr marL="99990" marR="99990" marT="49995" marB="49995"/>
+                </a:tc>
+                <a:tc>
+                  <a:txBody>
+                    <a:bodyPr/>
+                    <a:lstStyle/>
+                    <a:p>
+                      <a:r>
+                        <a:rPr lang="fr-FR" sz="2000" dirty="0"/>
+                        <a:t>20900 €</a:t>
+                      </a:r>
+                    </a:p>
+                  </a:txBody>
+                  <a:tcPr marL="99990" marR="99990" marT="49995" marB="49995"/>
+                </a:tc>
+                <a:tc>
+                  <a:txBody>
+                    <a:bodyPr/>
+                    <a:lstStyle/>
+                    <a:p>
+                      <a:r>
+                        <a:rPr lang="fr-FR" sz="2000" i="1" dirty="0"/>
+                        <a:t>16 </a:t>
+                      </a:r>
+                      <a:r>
+                        <a:rPr lang="fr-FR" sz="2000" i="1" dirty="0" err="1"/>
+                        <a:t>solar</a:t>
+                      </a:r>
+                      <a:r>
+                        <a:rPr lang="fr-FR" sz="2000" i="1" dirty="0"/>
+                        <a:t> panels (1U </a:t>
+                      </a:r>
+                      <a:r>
+                        <a:rPr lang="fr-FR" sz="2000" i="1" dirty="0" err="1"/>
+                        <a:t>form</a:t>
+                      </a:r>
+                      <a:r>
+                        <a:rPr lang="fr-FR" sz="2000" i="1" dirty="0"/>
+                        <a:t> factor)</a:t>
+                      </a:r>
+                    </a:p>
+                  </a:txBody>
+                  <a:tcPr marL="99990" marR="99990" marT="49995" marB="49995"/>
+                </a:tc>
+                <a:extLst>
+                  <a:ext uri="{0D108BD9-81ED-4DB2-BD59-A6C34878D82A}">
+                    <a16:rowId xmlns:a16="http://schemas.microsoft.com/office/drawing/2014/main" val="795332374"/>
+                  </a:ext>
+                </a:extLst>
+              </a:tr>
+              <a:tr h="405516">
+                <a:tc>
+                  <a:txBody>
+                    <a:bodyPr/>
+                    <a:lstStyle/>
+                    <a:p>
+                      <a:r>
+                        <a:rPr lang="fr-FR" sz="2000" dirty="0"/>
+                        <a:t>Structure</a:t>
+                      </a:r>
+                    </a:p>
+                  </a:txBody>
+                  <a:tcPr marL="99990" marR="99990" marT="49995" marB="49995"/>
+                </a:tc>
+                <a:tc>
+                  <a:txBody>
+                    <a:bodyPr/>
+                    <a:lstStyle/>
+                    <a:p>
+                      <a:r>
+                        <a:rPr lang="fr-FR" sz="2000" dirty="0"/>
+                        <a:t>1500 €</a:t>
+                      </a:r>
+                    </a:p>
+                  </a:txBody>
+                  <a:tcPr marL="99990" marR="99990" marT="49995" marB="49995"/>
+                </a:tc>
+                <a:tc>
+                  <a:txBody>
+                    <a:bodyPr/>
+                    <a:lstStyle/>
+                    <a:p>
+                      <a:r>
+                        <a:rPr lang="fr-FR" sz="2000" i="1" dirty="0" err="1"/>
+                        <a:t>Homemade</a:t>
+                      </a:r>
+                      <a:endParaRPr lang="fr-FR" sz="2000" i="1" dirty="0"/>
+                    </a:p>
+                  </a:txBody>
+                  <a:tcPr marL="99990" marR="99990" marT="49995" marB="49995"/>
+                </a:tc>
+                <a:extLst>
+                  <a:ext uri="{0D108BD9-81ED-4DB2-BD59-A6C34878D82A}">
+                    <a16:rowId xmlns:a16="http://schemas.microsoft.com/office/drawing/2014/main" val="1568579647"/>
+                  </a:ext>
+                </a:extLst>
+              </a:tr>
+              <a:tr h="405516">
+                <a:tc>
+                  <a:txBody>
+                    <a:bodyPr/>
+                    <a:lstStyle/>
+                    <a:p>
+                      <a:r>
+                        <a:rPr lang="fr-FR" sz="2000" dirty="0"/>
+                        <a:t>Thermal</a:t>
+                      </a:r>
+                    </a:p>
+                  </a:txBody>
+                  <a:tcPr marL="99990" marR="99990" marT="49995" marB="49995"/>
+                </a:tc>
+                <a:tc>
+                  <a:txBody>
+                    <a:bodyPr/>
+                    <a:lstStyle/>
+                    <a:p>
+                      <a:r>
+                        <a:rPr lang="fr-FR" sz="2000" dirty="0"/>
+                        <a:t>0 €</a:t>
+                      </a:r>
+                    </a:p>
+                  </a:txBody>
+                  <a:tcPr marL="99990" marR="99990" marT="49995" marB="49995"/>
+                </a:tc>
+                <a:tc>
+                  <a:txBody>
+                    <a:bodyPr/>
+                    <a:lstStyle/>
+                    <a:p>
+                      <a:endParaRPr lang="fr-FR" sz="2000" dirty="0"/>
+                    </a:p>
+                  </a:txBody>
+                  <a:tcPr marL="99990" marR="99990" marT="49995" marB="49995"/>
+                </a:tc>
+                <a:extLst>
+                  <a:ext uri="{0D108BD9-81ED-4DB2-BD59-A6C34878D82A}">
+                    <a16:rowId xmlns:a16="http://schemas.microsoft.com/office/drawing/2014/main" val="3106775759"/>
+                  </a:ext>
+                </a:extLst>
+              </a:tr>
+              <a:tr h="405516">
+                <a:tc>
+                  <a:txBody>
+                    <a:bodyPr/>
+                    <a:lstStyle/>
+                    <a:p>
+                      <a:r>
+                        <a:rPr lang="fr-FR" sz="2000" dirty="0"/>
+                        <a:t>ADCS</a:t>
+                      </a:r>
+                    </a:p>
+                  </a:txBody>
+                  <a:tcPr marL="99990" marR="99990" marT="49995" marB="49995"/>
+                </a:tc>
+                <a:tc>
+                  <a:txBody>
+                    <a:bodyPr/>
+                    <a:lstStyle/>
+                    <a:p>
+                      <a:r>
+                        <a:rPr lang="fr-FR" sz="2000" dirty="0"/>
+                        <a:t>8000 €</a:t>
+                      </a:r>
+                    </a:p>
+                  </a:txBody>
+                  <a:tcPr marL="99990" marR="99990" marT="49995" marB="49995"/>
+                </a:tc>
+                <a:tc>
+                  <a:txBody>
+                    <a:bodyPr/>
+                    <a:lstStyle/>
+                    <a:p>
+                      <a:endParaRPr lang="fr-FR" sz="2000" dirty="0"/>
+                    </a:p>
+                  </a:txBody>
+                  <a:tcPr marL="99990" marR="99990" marT="49995" marB="49995"/>
+                </a:tc>
+                <a:extLst>
+                  <a:ext uri="{0D108BD9-81ED-4DB2-BD59-A6C34878D82A}">
+                    <a16:rowId xmlns:a16="http://schemas.microsoft.com/office/drawing/2014/main" val="2250389193"/>
+                  </a:ext>
+                </a:extLst>
+              </a:tr>
+              <a:tr h="405516">
+                <a:tc>
+                  <a:txBody>
+                    <a:bodyPr/>
+                    <a:lstStyle/>
+                    <a:p>
+                      <a:r>
+                        <a:rPr lang="fr-FR" sz="2000" dirty="0"/>
+                        <a:t>Iridium</a:t>
+                      </a:r>
+                    </a:p>
+                  </a:txBody>
+                  <a:tcPr marL="99990" marR="99990" marT="49995" marB="49995"/>
+                </a:tc>
+                <a:tc>
+                  <a:txBody>
+                    <a:bodyPr/>
+                    <a:lstStyle/>
+                    <a:p>
+                      <a:r>
+                        <a:rPr lang="fr-FR" sz="2000" dirty="0"/>
+                        <a:t>115 €</a:t>
+                      </a:r>
+                    </a:p>
+                  </a:txBody>
+                  <a:tcPr marL="99990" marR="99990" marT="49995" marB="49995"/>
+                </a:tc>
+                <a:tc>
+                  <a:txBody>
+                    <a:bodyPr/>
+                    <a:lstStyle/>
+                    <a:p>
+                      <a:r>
+                        <a:rPr lang="fr-FR" sz="2000" i="1" dirty="0"/>
+                        <a:t>Low </a:t>
+                      </a:r>
+                      <a:r>
+                        <a:rPr lang="fr-FR" sz="2000" i="1" dirty="0" err="1"/>
+                        <a:t>estimate</a:t>
+                      </a:r>
+                      <a:endParaRPr lang="fr-FR" sz="2000" i="1" dirty="0"/>
+                    </a:p>
+                  </a:txBody>
+                  <a:tcPr marL="99990" marR="99990" marT="49995" marB="49995"/>
+                </a:tc>
+                <a:extLst>
+                  <a:ext uri="{0D108BD9-81ED-4DB2-BD59-A6C34878D82A}">
+                    <a16:rowId xmlns:a16="http://schemas.microsoft.com/office/drawing/2014/main" val="2311643753"/>
+                  </a:ext>
+                </a:extLst>
+              </a:tr>
+              <a:tr h="405516">
+                <a:tc>
+                  <a:txBody>
+                    <a:bodyPr/>
+                    <a:lstStyle/>
+                    <a:p>
+                      <a:r>
+                        <a:rPr lang="fr-FR" sz="2000" dirty="0" err="1"/>
+                        <a:t>Gravimetry</a:t>
+                      </a:r>
+                      <a:endParaRPr lang="fr-FR" sz="2000" dirty="0"/>
+                    </a:p>
+                  </a:txBody>
+                  <a:tcPr marL="99990" marR="99990" marT="49995" marB="49995"/>
+                </a:tc>
+                <a:tc>
+                  <a:txBody>
+                    <a:bodyPr/>
+                    <a:lstStyle/>
+                    <a:p>
+                      <a:r>
+                        <a:rPr lang="fr-FR" sz="2000" dirty="0"/>
+                        <a:t>11550 €</a:t>
+                      </a:r>
+                    </a:p>
+                  </a:txBody>
+                  <a:tcPr marL="99990" marR="99990" marT="49995" marB="49995"/>
+                </a:tc>
+                <a:tc>
+                  <a:txBody>
+                    <a:bodyPr/>
+                    <a:lstStyle/>
+                    <a:p>
+                      <a:endParaRPr lang="fr-FR" sz="2000" dirty="0"/>
+                    </a:p>
+                  </a:txBody>
+                  <a:tcPr marL="99990" marR="99990" marT="49995" marB="49995"/>
+                </a:tc>
+                <a:extLst>
+                  <a:ext uri="{0D108BD9-81ED-4DB2-BD59-A6C34878D82A}">
+                    <a16:rowId xmlns:a16="http://schemas.microsoft.com/office/drawing/2014/main" val="1742464054"/>
+                  </a:ext>
+                </a:extLst>
+              </a:tr>
+              <a:tr h="405516">
+                <a:tc>
+                  <a:txBody>
+                    <a:bodyPr/>
+                    <a:lstStyle/>
+                    <a:p>
+                      <a:r>
+                        <a:rPr lang="fr-FR" sz="2000" dirty="0"/>
+                        <a:t>OBDH</a:t>
+                      </a:r>
+                    </a:p>
+                  </a:txBody>
+                  <a:tcPr marL="99990" marR="99990" marT="49995" marB="49995"/>
+                </a:tc>
+                <a:tc>
+                  <a:txBody>
+                    <a:bodyPr/>
+                    <a:lstStyle/>
+                    <a:p>
+                      <a:r>
+                        <a:rPr lang="fr-FR" sz="2000" dirty="0"/>
+                        <a:t>4265 €</a:t>
+                      </a:r>
+                    </a:p>
+                  </a:txBody>
+                  <a:tcPr marL="99990" marR="99990" marT="49995" marB="49995"/>
+                </a:tc>
+                <a:tc>
+                  <a:txBody>
+                    <a:bodyPr/>
+                    <a:lstStyle/>
+                    <a:p>
+                      <a:endParaRPr lang="fr-FR" sz="2000" dirty="0"/>
+                    </a:p>
+                  </a:txBody>
+                  <a:tcPr marL="99990" marR="99990" marT="49995" marB="49995"/>
+                </a:tc>
+                <a:extLst>
+                  <a:ext uri="{0D108BD9-81ED-4DB2-BD59-A6C34878D82A}">
+                    <a16:rowId xmlns:a16="http://schemas.microsoft.com/office/drawing/2014/main" val="2256755781"/>
+                  </a:ext>
+                </a:extLst>
+              </a:tr>
+              <a:tr h="405516">
+                <a:tc>
+                  <a:txBody>
+                    <a:bodyPr/>
+                    <a:lstStyle/>
+                    <a:p>
+                      <a:r>
+                        <a:rPr lang="fr-FR" sz="2000" dirty="0"/>
+                        <a:t>TOTAL </a:t>
+                      </a:r>
+                      <a:r>
+                        <a:rPr lang="fr-FR" sz="2000" dirty="0" err="1"/>
+                        <a:t>with</a:t>
+                      </a:r>
+                      <a:r>
+                        <a:rPr lang="fr-FR" sz="2000" dirty="0"/>
+                        <a:t> FYS</a:t>
+                      </a:r>
+                    </a:p>
+                  </a:txBody>
+                  <a:tcPr marL="99990" marR="99990" marT="49995" marB="49995">
+                    <a:solidFill>
+                      <a:schemeClr val="accent5">
+                        <a:lumMod val="60000"/>
+                        <a:lumOff val="40000"/>
+                      </a:schemeClr>
+                    </a:solidFill>
+                  </a:tcPr>
+                </a:tc>
+                <a:tc>
+                  <a:txBody>
+                    <a:bodyPr/>
+                    <a:lstStyle/>
+                    <a:p>
+                      <a:r>
+                        <a:rPr lang="fr-FR" sz="2000" dirty="0"/>
+                        <a:t>61580 €</a:t>
+                      </a:r>
+                    </a:p>
+                  </a:txBody>
+                  <a:tcPr marL="99990" marR="99990" marT="49995" marB="49995">
+                    <a:solidFill>
+                      <a:schemeClr val="accent5">
+                        <a:lumMod val="60000"/>
+                        <a:lumOff val="40000"/>
+                      </a:schemeClr>
+                    </a:solidFill>
+                  </a:tcPr>
+                </a:tc>
+                <a:tc>
+                  <a:txBody>
+                    <a:bodyPr/>
+                    <a:lstStyle/>
+                    <a:p>
+                      <a:endParaRPr lang="fr-FR" sz="2000" dirty="0"/>
+                    </a:p>
+                  </a:txBody>
+                  <a:tcPr marL="99990" marR="99990" marT="49995" marB="49995">
+                    <a:solidFill>
+                      <a:schemeClr val="accent5">
+                        <a:lumMod val="60000"/>
+                        <a:lumOff val="40000"/>
+                      </a:schemeClr>
+                    </a:solidFill>
+                  </a:tcPr>
+                </a:tc>
+                <a:extLst>
+                  <a:ext uri="{0D108BD9-81ED-4DB2-BD59-A6C34878D82A}">
+                    <a16:rowId xmlns:a16="http://schemas.microsoft.com/office/drawing/2014/main" val="901794430"/>
+                  </a:ext>
+                </a:extLst>
+              </a:tr>
+              <a:tr h="405516">
+                <a:tc>
+                  <a:txBody>
+                    <a:bodyPr/>
+                    <a:lstStyle/>
+                    <a:p>
+                      <a:r>
+                        <a:rPr lang="fr-FR" sz="2000" dirty="0"/>
+                        <a:t>TOTAL </a:t>
+                      </a:r>
+                      <a:r>
+                        <a:rPr lang="fr-FR" sz="2000" dirty="0" err="1"/>
+                        <a:t>Nanoracks</a:t>
+                      </a:r>
+                      <a:endParaRPr lang="fr-FR" sz="2000" dirty="0"/>
+                    </a:p>
+                  </a:txBody>
+                  <a:tcPr marL="99990" marR="99990" marT="49995" marB="49995">
+                    <a:solidFill>
+                      <a:schemeClr val="accent5">
+                        <a:lumMod val="60000"/>
+                        <a:lumOff val="40000"/>
+                      </a:schemeClr>
+                    </a:solidFill>
+                  </a:tcPr>
+                </a:tc>
+                <a:tc>
+                  <a:txBody>
+                    <a:bodyPr/>
+                    <a:lstStyle/>
+                    <a:p>
+                      <a:r>
+                        <a:rPr lang="fr-FR" sz="2000" dirty="0"/>
+                        <a:t>113580 €</a:t>
+                      </a:r>
+                    </a:p>
+                  </a:txBody>
+                  <a:tcPr marL="99990" marR="99990" marT="49995" marB="49995">
+                    <a:solidFill>
+                      <a:schemeClr val="accent5">
+                        <a:lumMod val="60000"/>
+                        <a:lumOff val="40000"/>
+                      </a:schemeClr>
+                    </a:solidFill>
+                  </a:tcPr>
+                </a:tc>
+                <a:tc>
+                  <a:txBody>
+                    <a:bodyPr/>
+                    <a:lstStyle/>
+                    <a:p>
+                      <a:r>
+                        <a:rPr lang="fr-FR" sz="2000" i="1" dirty="0"/>
+                        <a:t>Raw </a:t>
+                      </a:r>
+                      <a:r>
+                        <a:rPr lang="fr-FR" sz="2000" i="1" dirty="0" err="1"/>
+                        <a:t>estimate</a:t>
+                      </a:r>
+                      <a:endParaRPr lang="fr-FR" sz="2000" i="1" dirty="0"/>
+                    </a:p>
+                  </a:txBody>
+                  <a:tcPr marL="99990" marR="99990" marT="49995" marB="49995">
+                    <a:solidFill>
+                      <a:schemeClr val="accent5">
+                        <a:lumMod val="60000"/>
+                        <a:lumOff val="40000"/>
+                      </a:schemeClr>
+                    </a:solidFill>
+                  </a:tcPr>
+                </a:tc>
+                <a:extLst>
+                  <a:ext uri="{0D108BD9-81ED-4DB2-BD59-A6C34878D82A}">
+                    <a16:rowId xmlns:a16="http://schemas.microsoft.com/office/drawing/2014/main" val="2583644845"/>
+                  </a:ext>
+                </a:extLst>
+              </a:tr>
+              <a:tr h="405516">
+                <a:tc>
+                  <a:txBody>
+                    <a:bodyPr/>
+                    <a:lstStyle/>
+                    <a:p>
+                      <a:r>
+                        <a:rPr lang="fr-FR" sz="2000" dirty="0"/>
+                        <a:t>TOTAL Electron</a:t>
+                      </a:r>
+                    </a:p>
+                  </a:txBody>
+                  <a:tcPr marL="99990" marR="99990" marT="49995" marB="49995">
+                    <a:solidFill>
+                      <a:schemeClr val="accent5">
+                        <a:lumMod val="60000"/>
+                        <a:lumOff val="40000"/>
+                      </a:schemeClr>
+                    </a:solidFill>
+                  </a:tcPr>
+                </a:tc>
+                <a:tc>
+                  <a:txBody>
+                    <a:bodyPr/>
+                    <a:lstStyle/>
+                    <a:p>
+                      <a:r>
+                        <a:rPr lang="fr-FR" sz="2000" dirty="0"/>
+                        <a:t>221580 €</a:t>
+                      </a:r>
+                    </a:p>
+                  </a:txBody>
+                  <a:tcPr marL="99990" marR="99990" marT="49995" marB="49995">
+                    <a:solidFill>
+                      <a:schemeClr val="accent5">
+                        <a:lumMod val="60000"/>
+                        <a:lumOff val="40000"/>
+                      </a:schemeClr>
+                    </a:solidFill>
+                  </a:tcPr>
+                </a:tc>
+                <a:tc>
+                  <a:txBody>
+                    <a:bodyPr/>
+                    <a:lstStyle/>
+                    <a:p>
+                      <a:pPr marL="0" marR="0" lvl="0" indent="0" algn="l" defTabSz="914400" rtl="0" eaLnBrk="1" fontAlgn="auto" latinLnBrk="0" hangingPunct="1">
+                        <a:lnSpc>
+                          <a:spcPct val="100000"/>
+                        </a:lnSpc>
+                        <a:spcBef>
+                          <a:spcPts val="0"/>
+                        </a:spcBef>
+                        <a:spcAft>
+                          <a:spcPts val="0"/>
+                        </a:spcAft>
+                        <a:buClrTx/>
+                        <a:buSzTx/>
+                        <a:buFontTx/>
+                        <a:buNone/>
+                        <a:tabLst/>
+                        <a:defRPr/>
+                      </a:pPr>
+                      <a:r>
+                        <a:rPr lang="fr-FR" sz="2000" i="1" dirty="0"/>
+                        <a:t>Raw </a:t>
+                      </a:r>
+                      <a:r>
+                        <a:rPr lang="fr-FR" sz="2000" i="1" dirty="0" err="1"/>
+                        <a:t>estimate</a:t>
+                      </a:r>
+                      <a:endParaRPr lang="fr-FR" sz="2000" i="1" dirty="0"/>
+                    </a:p>
+                  </a:txBody>
+                  <a:tcPr marL="99990" marR="99990" marT="49995" marB="49995">
+                    <a:solidFill>
+                      <a:schemeClr val="accent5">
+                        <a:lumMod val="60000"/>
+                        <a:lumOff val="40000"/>
+                      </a:schemeClr>
+                    </a:solidFill>
+                  </a:tcPr>
+                </a:tc>
+                <a:extLst>
+                  <a:ext uri="{0D108BD9-81ED-4DB2-BD59-A6C34878D82A}">
+                    <a16:rowId xmlns:a16="http://schemas.microsoft.com/office/drawing/2014/main" val="4167235970"/>
+                  </a:ext>
+                </a:extLst>
+              </a:tr>
+            </a:tbl>
+          </a:graphicData>
+        </a:graphic>
+      </p:graphicFrame>
+    </p:spTree>
+    <p:extLst>
+      <p:ext uri="{BB962C8B-B14F-4D97-AF65-F5344CB8AC3E}">
+        <p14:creationId xmlns:p14="http://schemas.microsoft.com/office/powerpoint/2010/main" val="1959964126"/>
+      </p:ext>
+    </p:extLst>
+  </p:cSld>
+  <p:clrMapOvr>
+    <a:masterClrMapping/>
+  </p:clrMapOvr>
+</p:sld>
+</file>
+
+<file path=ppt/slides/slide8.xml><?xml version="1.0" encoding="utf-8"?>
+<p:sld xmlns:a="http://schemas.openxmlformats.org/drawingml/2006/main" xmlns:r="http://schemas.openxmlformats.org/officeDocument/2006/relationships" xmlns:p="http://schemas.openxmlformats.org/presentationml/2006/main">
+  <p:cSld>
+    <p:spTree>
+      <p:nvGrpSpPr>
+        <p:cNvPr id="1" name=""/>
+        <p:cNvGrpSpPr/>
+        <p:nvPr/>
+      </p:nvGrpSpPr>
+      <p:grpSpPr>
+        <a:xfrm>
+          <a:off x="0" y="0"/>
+          <a:ext cx="0" cy="0"/>
+          <a:chOff x="0" y="0"/>
+          <a:chExt cx="0" cy="0"/>
+        </a:xfrm>
+      </p:grpSpPr>
+      <p:sp>
+        <p:nvSpPr>
+          <p:cNvPr id="2" name="Title 1">
+            <a:extLst>
+              <a:ext uri="{FF2B5EF4-FFF2-40B4-BE49-F238E27FC236}">
+                <a16:creationId xmlns:a16="http://schemas.microsoft.com/office/drawing/2014/main" id="{FAD0912B-1732-4EB9-A348-644B70CB4402}"/>
+              </a:ext>
+            </a:extLst>
+          </p:cNvPr>
+          <p:cNvSpPr>
+            <a:spLocks noGrp="1"/>
+          </p:cNvSpPr>
+          <p:nvPr>
+            <p:ph type="ctrTitle"/>
+          </p:nvPr>
+        </p:nvSpPr>
+        <p:spPr/>
+        <p:txBody>
+          <a:bodyPr/>
+          <a:lstStyle/>
+          <a:p>
+            <a:r>
+              <a:rPr lang="fr-FR" dirty="0"/>
+              <a:t>Capella</a:t>
+            </a:r>
+          </a:p>
+        </p:txBody>
+      </p:sp>
+      <p:sp>
+        <p:nvSpPr>
+          <p:cNvPr id="4" name="Slide Number Placeholder 3">
+            <a:extLst>
+              <a:ext uri="{FF2B5EF4-FFF2-40B4-BE49-F238E27FC236}">
+                <a16:creationId xmlns:a16="http://schemas.microsoft.com/office/drawing/2014/main" id="{4283337C-4781-4CDE-974D-D49502D312DA}"/>
+              </a:ext>
+            </a:extLst>
+          </p:cNvPr>
+          <p:cNvSpPr>
+            <a:spLocks noGrp="1"/>
+          </p:cNvSpPr>
+          <p:nvPr>
+            <p:ph type="sldNum" sz="quarter" idx="12"/>
+          </p:nvPr>
+        </p:nvSpPr>
+        <p:spPr/>
+        <p:txBody>
+          <a:bodyPr/>
+          <a:lstStyle/>
+          <a:p>
+            <a:fld id="{9E937E72-11F5-44A2-9DC0-74EEC05A6D21}" type="slidenum">
+              <a:rPr lang="en-US" smtClean="0"/>
+              <a:pPr/>
+              <a:t>8</a:t>
+            </a:fld>
+            <a:endParaRPr lang="en-US" dirty="0"/>
+          </a:p>
+        </p:txBody>
+      </p:sp>
+      <p:sp>
+        <p:nvSpPr>
+          <p:cNvPr id="5" name="Text Placeholder 4">
+            <a:extLst>
+              <a:ext uri="{FF2B5EF4-FFF2-40B4-BE49-F238E27FC236}">
+                <a16:creationId xmlns:a16="http://schemas.microsoft.com/office/drawing/2014/main" id="{9A081ECA-13D0-47ED-8482-A418D31744F1}"/>
+              </a:ext>
+            </a:extLst>
+          </p:cNvPr>
+          <p:cNvSpPr>
+            <a:spLocks noGrp="1"/>
+          </p:cNvSpPr>
+          <p:nvPr>
+            <p:ph type="body" sz="quarter" idx="13"/>
+          </p:nvPr>
+        </p:nvSpPr>
+        <p:spPr/>
+        <p:txBody>
+          <a:bodyPr/>
+          <a:lstStyle/>
+          <a:p>
+            <a:r>
+              <a:rPr lang="fr-FR" dirty="0"/>
+              <a:t>III. Model-</a:t>
+            </a:r>
+            <a:r>
+              <a:rPr lang="fr-FR" dirty="0" err="1"/>
+              <a:t>Based</a:t>
+            </a:r>
+            <a:r>
+              <a:rPr lang="fr-FR" dirty="0"/>
+              <a:t> </a:t>
+            </a:r>
+            <a:r>
+              <a:rPr lang="fr-FR" dirty="0" err="1"/>
+              <a:t>Systems</a:t>
+            </a:r>
+            <a:r>
+              <a:rPr lang="fr-FR" dirty="0"/>
+              <a:t> Engineering</a:t>
+            </a:r>
+          </a:p>
+        </p:txBody>
+      </p:sp>
+      <p:sp>
+        <p:nvSpPr>
+          <p:cNvPr id="7" name="ZoneTexte 10">
+            <a:extLst>
+              <a:ext uri="{FF2B5EF4-FFF2-40B4-BE49-F238E27FC236}">
+                <a16:creationId xmlns:a16="http://schemas.microsoft.com/office/drawing/2014/main" id="{69003B03-3F43-495A-AEEE-F56A1D97A5B4}"/>
+              </a:ext>
+            </a:extLst>
+          </p:cNvPr>
+          <p:cNvSpPr txBox="1"/>
+          <p:nvPr/>
+        </p:nvSpPr>
+        <p:spPr>
+          <a:xfrm>
+            <a:off x="1568987" y="1446200"/>
+            <a:ext cx="7947875" cy="3600986"/>
+          </a:xfrm>
+          <a:prstGeom prst="rect">
+            <a:avLst/>
+          </a:prstGeom>
+          <a:noFill/>
+        </p:spPr>
+        <p:txBody>
+          <a:bodyPr wrap="square" rtlCol="0">
+            <a:spAutoFit/>
+          </a:bodyPr>
+          <a:lstStyle/>
+          <a:p>
+            <a:pPr>
+              <a:spcBef>
+                <a:spcPts val="600"/>
+              </a:spcBef>
+            </a:pPr>
+            <a:r>
+              <a:rPr lang="fr-FR" sz="2400" b="1" dirty="0">
+                <a:latin typeface="Arial Nova Light" panose="020B0304020202020204" pitchFamily="34" charset="0"/>
+                <a:cs typeface="Arial Nova Light" panose="020B0304020202020204" pitchFamily="34" charset="0"/>
+              </a:rPr>
+              <a:t>Learning in </a:t>
+            </a:r>
+            <a:r>
+              <a:rPr lang="fr-FR" sz="2400" b="1" dirty="0" err="1">
+                <a:latin typeface="Arial Nova Light" panose="020B0304020202020204" pitchFamily="34" charset="0"/>
+                <a:cs typeface="Arial Nova Light" panose="020B0304020202020204" pitchFamily="34" charset="0"/>
+              </a:rPr>
+              <a:t>progress</a:t>
+            </a:r>
+            <a:r>
+              <a:rPr lang="fr-FR" sz="2400" b="1" dirty="0">
+                <a:latin typeface="Arial Nova Light" panose="020B0304020202020204" pitchFamily="34" charset="0"/>
+                <a:cs typeface="Arial Nova Light" panose="020B0304020202020204" pitchFamily="34" charset="0"/>
+              </a:rPr>
+              <a:t>:</a:t>
+            </a:r>
+          </a:p>
+          <a:p>
+            <a:pPr>
+              <a:spcBef>
+                <a:spcPts val="600"/>
+              </a:spcBef>
+            </a:pPr>
+            <a:endParaRPr lang="fr-FR" sz="2000" b="1" dirty="0">
+              <a:latin typeface="Arial Nova Light" panose="020B0304020202020204" pitchFamily="34" charset="0"/>
+              <a:cs typeface="Arial Nova Light" panose="020B0304020202020204" pitchFamily="34" charset="0"/>
+            </a:endParaRPr>
+          </a:p>
+          <a:p>
+            <a:pPr marL="742950" lvl="1" indent="-285750">
+              <a:spcBef>
+                <a:spcPts val="600"/>
+              </a:spcBef>
+              <a:buFontTx/>
+              <a:buChar char="-"/>
+            </a:pPr>
+            <a:r>
+              <a:rPr lang="fr-FR" sz="2000" b="1" dirty="0">
+                <a:latin typeface="Arial Nova Light" panose="020B0304020202020204" pitchFamily="34" charset="0"/>
+                <a:cs typeface="Arial Nova Light" panose="020B0304020202020204" pitchFamily="34" charset="0"/>
+              </a:rPr>
+              <a:t>J-L. Voirin (Arcadia)</a:t>
+            </a:r>
+          </a:p>
+          <a:p>
+            <a:pPr marL="742950" lvl="1" indent="-285750">
+              <a:spcBef>
+                <a:spcPts val="600"/>
+              </a:spcBef>
+              <a:buFontTx/>
+              <a:buChar char="-"/>
+            </a:pPr>
+            <a:r>
+              <a:rPr lang="fr-FR" sz="2000" b="1" dirty="0">
+                <a:latin typeface="Arial Nova Light" panose="020B0304020202020204" pitchFamily="34" charset="0"/>
+                <a:cs typeface="Arial Nova Light" panose="020B0304020202020204" pitchFamily="34" charset="0"/>
+              </a:rPr>
+              <a:t>P. Roques (Capella)</a:t>
+            </a:r>
+          </a:p>
+          <a:p>
+            <a:pPr marL="285750" indent="-285750">
+              <a:spcBef>
+                <a:spcPts val="600"/>
+              </a:spcBef>
+              <a:buFontTx/>
+              <a:buChar char="-"/>
+            </a:pPr>
+            <a:endParaRPr lang="fr-FR" sz="2000" b="1" dirty="0">
+              <a:latin typeface="Arial Nova Light" panose="020B0304020202020204" pitchFamily="34" charset="0"/>
+              <a:cs typeface="Arial Nova Light" panose="020B0304020202020204" pitchFamily="34" charset="0"/>
+            </a:endParaRPr>
+          </a:p>
+          <a:p>
+            <a:pPr>
+              <a:spcBef>
+                <a:spcPts val="600"/>
+              </a:spcBef>
+            </a:pPr>
+            <a:r>
+              <a:rPr lang="fr-FR" sz="2400" b="1" dirty="0" err="1">
+                <a:latin typeface="Arial Nova Light" panose="020B0304020202020204" pitchFamily="34" charset="0"/>
+                <a:cs typeface="Arial Nova Light" panose="020B0304020202020204" pitchFamily="34" charset="0"/>
+              </a:rPr>
+              <a:t>Interests</a:t>
+            </a:r>
+            <a:r>
+              <a:rPr lang="fr-FR" sz="2400" b="1" dirty="0">
+                <a:latin typeface="Arial Nova Light" panose="020B0304020202020204" pitchFamily="34" charset="0"/>
+                <a:cs typeface="Arial Nova Light" panose="020B0304020202020204" pitchFamily="34" charset="0"/>
+              </a:rPr>
+              <a:t>:</a:t>
+            </a:r>
+          </a:p>
+          <a:p>
+            <a:pPr>
+              <a:spcBef>
+                <a:spcPts val="600"/>
+              </a:spcBef>
+            </a:pPr>
+            <a:endParaRPr lang="fr-FR" sz="2000" b="1" dirty="0">
+              <a:latin typeface="Arial Nova Light" panose="020B0304020202020204" pitchFamily="34" charset="0"/>
+              <a:cs typeface="Arial Nova Light" panose="020B0304020202020204" pitchFamily="34" charset="0"/>
+            </a:endParaRPr>
+          </a:p>
+          <a:p>
+            <a:pPr marL="742950" lvl="1" indent="-285750">
+              <a:spcBef>
+                <a:spcPts val="600"/>
+              </a:spcBef>
+              <a:buFontTx/>
+              <a:buChar char="-"/>
+            </a:pPr>
+            <a:r>
+              <a:rPr lang="fr-FR" sz="2000" b="1" dirty="0">
+                <a:latin typeface="Arial Nova Light" panose="020B0304020202020204" pitchFamily="34" charset="0"/>
+                <a:cs typeface="Arial Nova Light" panose="020B0304020202020204" pitchFamily="34" charset="0"/>
+              </a:rPr>
+              <a:t>Team </a:t>
+            </a:r>
+            <a:r>
+              <a:rPr lang="fr-FR" sz="2000" b="1" dirty="0" err="1">
+                <a:latin typeface="Arial Nova Light" panose="020B0304020202020204" pitchFamily="34" charset="0"/>
+                <a:cs typeface="Arial Nova Light" panose="020B0304020202020204" pitchFamily="34" charset="0"/>
+              </a:rPr>
+              <a:t>is</a:t>
+            </a:r>
+            <a:r>
+              <a:rPr lang="fr-FR" sz="2000" b="1" dirty="0">
+                <a:latin typeface="Arial Nova Light" panose="020B0304020202020204" pitchFamily="34" charset="0"/>
+                <a:cs typeface="Arial Nova Light" panose="020B0304020202020204" pitchFamily="34" charset="0"/>
+              </a:rPr>
+              <a:t> </a:t>
+            </a:r>
+            <a:r>
+              <a:rPr lang="fr-FR" sz="2000" b="1" dirty="0" err="1">
+                <a:latin typeface="Arial Nova Light" panose="020B0304020202020204" pitchFamily="34" charset="0"/>
+                <a:cs typeface="Arial Nova Light" panose="020B0304020202020204" pitchFamily="34" charset="0"/>
+              </a:rPr>
+              <a:t>regularly</a:t>
+            </a:r>
+            <a:r>
+              <a:rPr lang="fr-FR" sz="2000" b="1" dirty="0">
+                <a:latin typeface="Arial Nova Light" panose="020B0304020202020204" pitchFamily="34" charset="0"/>
+                <a:cs typeface="Arial Nova Light" panose="020B0304020202020204" pitchFamily="34" charset="0"/>
+              </a:rPr>
+              <a:t> </a:t>
+            </a:r>
+            <a:r>
+              <a:rPr lang="fr-FR" sz="2000" b="1">
+                <a:latin typeface="Arial Nova Light" panose="020B0304020202020204" pitchFamily="34" charset="0"/>
+                <a:cs typeface="Arial Nova Light" panose="020B0304020202020204" pitchFamily="34" charset="0"/>
+              </a:rPr>
+              <a:t>renewed</a:t>
+            </a:r>
+            <a:endParaRPr lang="fr-FR" sz="2000" b="1" dirty="0">
+              <a:latin typeface="Arial Nova Light" panose="020B0304020202020204" pitchFamily="34" charset="0"/>
+              <a:cs typeface="Arial Nova Light" panose="020B0304020202020204" pitchFamily="34" charset="0"/>
+            </a:endParaRPr>
+          </a:p>
+          <a:p>
+            <a:pPr marL="742950" lvl="1" indent="-285750">
+              <a:spcBef>
+                <a:spcPts val="600"/>
+              </a:spcBef>
+              <a:buFontTx/>
+              <a:buChar char="-"/>
+            </a:pPr>
+            <a:r>
+              <a:rPr lang="fr-FR" sz="2000" b="1" dirty="0" err="1">
+                <a:latin typeface="Arial Nova Light" panose="020B0304020202020204" pitchFamily="34" charset="0"/>
+                <a:cs typeface="Arial Nova Light" panose="020B0304020202020204" pitchFamily="34" charset="0"/>
+              </a:rPr>
+              <a:t>Greatly</a:t>
+            </a:r>
+            <a:r>
+              <a:rPr lang="fr-FR" sz="2000" b="1" dirty="0">
+                <a:latin typeface="Arial Nova Light" panose="020B0304020202020204" pitchFamily="34" charset="0"/>
+                <a:cs typeface="Arial Nova Light" panose="020B0304020202020204" pitchFamily="34" charset="0"/>
+              </a:rPr>
+              <a:t> </a:t>
+            </a:r>
+            <a:r>
+              <a:rPr lang="fr-FR" sz="2000" b="1" dirty="0" err="1">
+                <a:latin typeface="Arial Nova Light" panose="020B0304020202020204" pitchFamily="34" charset="0"/>
+                <a:cs typeface="Arial Nova Light" panose="020B0304020202020204" pitchFamily="34" charset="0"/>
+              </a:rPr>
+              <a:t>facilitates</a:t>
+            </a:r>
+            <a:r>
+              <a:rPr lang="fr-FR" sz="2000" b="1" dirty="0">
+                <a:latin typeface="Arial Nova Light" panose="020B0304020202020204" pitchFamily="34" charset="0"/>
+                <a:cs typeface="Arial Nova Light" panose="020B0304020202020204" pitchFamily="34" charset="0"/>
+              </a:rPr>
+              <a:t> IVVQ</a:t>
+            </a:r>
+          </a:p>
+        </p:txBody>
+      </p:sp>
+      <p:sp>
+        <p:nvSpPr>
+          <p:cNvPr id="8" name="ZoneTexte 10">
+            <a:extLst>
+              <a:ext uri="{FF2B5EF4-FFF2-40B4-BE49-F238E27FC236}">
+                <a16:creationId xmlns:a16="http://schemas.microsoft.com/office/drawing/2014/main" id="{342DDD2F-2B1E-4D48-8044-B119165B9289}"/>
+              </a:ext>
+            </a:extLst>
+          </p:cNvPr>
+          <p:cNvSpPr txBox="1"/>
+          <p:nvPr/>
+        </p:nvSpPr>
+        <p:spPr>
+          <a:xfrm>
+            <a:off x="7620969" y="5155639"/>
+            <a:ext cx="3627039" cy="400110"/>
+          </a:xfrm>
+          <a:prstGeom prst="rect">
+            <a:avLst/>
+          </a:prstGeom>
+          <a:noFill/>
+        </p:spPr>
+        <p:txBody>
+          <a:bodyPr wrap="square" rtlCol="0">
+            <a:spAutoFit/>
+          </a:bodyPr>
+          <a:lstStyle/>
+          <a:p>
+            <a:pPr>
+              <a:spcBef>
+                <a:spcPts val="600"/>
+              </a:spcBef>
+            </a:pPr>
+            <a:r>
+              <a:rPr lang="fr-FR" sz="2000" dirty="0" err="1">
+                <a:latin typeface="Arial Nova Light" panose="020B0304020202020204" pitchFamily="34" charset="0"/>
+                <a:cs typeface="Arial Nova Light" panose="020B0304020202020204" pitchFamily="34" charset="0"/>
+              </a:rPr>
+              <a:t>Integration</a:t>
+            </a:r>
+            <a:r>
+              <a:rPr lang="fr-FR" sz="2000" dirty="0">
+                <a:latin typeface="Arial Nova Light" panose="020B0304020202020204" pitchFamily="34" charset="0"/>
+                <a:cs typeface="Arial Nova Light" panose="020B0304020202020204" pitchFamily="34" charset="0"/>
+              </a:rPr>
+              <a:t> of MBSE in phase B</a:t>
+            </a:r>
+          </a:p>
+        </p:txBody>
+      </p:sp>
+      <p:pic>
+        <p:nvPicPr>
+          <p:cNvPr id="10" name="Picture 9">
+            <a:extLst>
+              <a:ext uri="{FF2B5EF4-FFF2-40B4-BE49-F238E27FC236}">
+                <a16:creationId xmlns:a16="http://schemas.microsoft.com/office/drawing/2014/main" id="{FF1F4386-C209-481E-8D50-02A61F46AEB5}"/>
+              </a:ext>
+            </a:extLst>
+          </p:cNvPr>
+          <p:cNvPicPr>
+            <a:picLocks noChangeAspect="1"/>
+          </p:cNvPicPr>
+          <p:nvPr/>
+        </p:nvPicPr>
+        <p:blipFill>
+          <a:blip r:embed="rId2">
+            <a:extLst>
+              <a:ext uri="{28A0092B-C50C-407E-A947-70E740481C1C}">
+                <a14:useLocalDpi xmlns:a14="http://schemas.microsoft.com/office/drawing/2010/main" val="0"/>
+              </a:ext>
+            </a:extLst>
+          </a:blip>
+          <a:stretch>
+            <a:fillRect/>
+          </a:stretch>
+        </p:blipFill>
+        <p:spPr>
+          <a:xfrm>
+            <a:off x="7715257" y="1905715"/>
+            <a:ext cx="3305867" cy="1414832"/>
+          </a:xfrm>
+          <a:prstGeom prst="rect">
+            <a:avLst/>
+          </a:prstGeom>
+          <a:ln>
+            <a:noFill/>
+          </a:ln>
+        </p:spPr>
+      </p:pic>
+      <p:pic>
+        <p:nvPicPr>
+          <p:cNvPr id="11" name="Picture 10">
+            <a:extLst>
+              <a:ext uri="{FF2B5EF4-FFF2-40B4-BE49-F238E27FC236}">
+                <a16:creationId xmlns:a16="http://schemas.microsoft.com/office/drawing/2014/main" id="{49754925-CC7A-46ED-8C5F-B86F56E90437}"/>
+              </a:ext>
+            </a:extLst>
+          </p:cNvPr>
+          <p:cNvPicPr>
+            <a:picLocks noChangeAspect="1"/>
+          </p:cNvPicPr>
+          <p:nvPr/>
+        </p:nvPicPr>
+        <p:blipFill>
+          <a:blip r:embed="rId3">
+            <a:extLst>
+              <a:ext uri="{28A0092B-C50C-407E-A947-70E740481C1C}">
+                <a14:useLocalDpi xmlns:a14="http://schemas.microsoft.com/office/drawing/2010/main" val="0"/>
+              </a:ext>
+            </a:extLst>
+          </a:blip>
+          <a:stretch>
+            <a:fillRect/>
+          </a:stretch>
+        </p:blipFill>
+        <p:spPr>
+          <a:xfrm>
+            <a:off x="7866178" y="3429000"/>
+            <a:ext cx="3301368" cy="1557340"/>
+          </a:xfrm>
+          <a:prstGeom prst="rect">
+            <a:avLst/>
+          </a:prstGeom>
+        </p:spPr>
+      </p:pic>
+    </p:spTree>
+    <p:extLst>
+      <p:ext uri="{BB962C8B-B14F-4D97-AF65-F5344CB8AC3E}">
+        <p14:creationId xmlns:p14="http://schemas.microsoft.com/office/powerpoint/2010/main" val="1446513365"/>
+      </p:ext>
+    </p:extLst>
+  </p:cSld>
+  <p:clrMapOvr>
+    <a:masterClrMapping/>
+  </p:clrMapOvr>
+</p:sld>
+</file>
+
+<file path=ppt/slides/slide9.xml><?xml version="1.0" encoding="utf-8"?>
+<p:sld xmlns:a="http://schemas.openxmlformats.org/drawingml/2006/main" xmlns:r="http://schemas.openxmlformats.org/officeDocument/2006/relationships" xmlns:p="http://schemas.openxmlformats.org/presentationml/2006/main">
+  <p:cSld>
+    <p:spTree>
+      <p:nvGrpSpPr>
+        <p:cNvPr id="1" name=""/>
+        <p:cNvGrpSpPr/>
+        <p:nvPr/>
+      </p:nvGrpSpPr>
+      <p:grpSpPr>
+        <a:xfrm>
+          <a:off x="0" y="0"/>
+          <a:ext cx="0" cy="0"/>
+          <a:chOff x="0" y="0"/>
+          <a:chExt cx="0" cy="0"/>
+        </a:xfrm>
+      </p:grpSpPr>
+      <p:sp>
+        <p:nvSpPr>
+          <p:cNvPr id="4" name="Slide Number Placeholder 3">
+            <a:extLst>
+              <a:ext uri="{FF2B5EF4-FFF2-40B4-BE49-F238E27FC236}">
+                <a16:creationId xmlns:a16="http://schemas.microsoft.com/office/drawing/2014/main" id="{1A0B88C7-860B-43DE-A0B6-0B95E57898F8}"/>
+              </a:ext>
+            </a:extLst>
+          </p:cNvPr>
+          <p:cNvSpPr>
+            <a:spLocks noGrp="1"/>
+          </p:cNvSpPr>
+          <p:nvPr>
+            <p:ph type="sldNum" sz="quarter" idx="12"/>
+          </p:nvPr>
+        </p:nvSpPr>
+        <p:spPr/>
+        <p:txBody>
+          <a:bodyPr/>
+          <a:lstStyle/>
+          <a:p>
+            <a:fld id="{9E937E72-11F5-44A2-9DC0-74EEC05A6D21}" type="slidenum">
+              <a:rPr lang="en-US" smtClean="0"/>
+              <a:pPr/>
+              <a:t>9</a:t>
+            </a:fld>
+            <a:endParaRPr lang="en-US" dirty="0"/>
+          </a:p>
+        </p:txBody>
+      </p:sp>
+      <p:pic>
+        <p:nvPicPr>
+          <p:cNvPr id="6" name="Picture 5">
+            <a:extLst>
+              <a:ext uri="{FF2B5EF4-FFF2-40B4-BE49-F238E27FC236}">
+                <a16:creationId xmlns:a16="http://schemas.microsoft.com/office/drawing/2014/main" id="{7A4993A1-6FCE-45FF-A06C-06D74F8F905B}"/>
+              </a:ext>
+            </a:extLst>
+          </p:cNvPr>
+          <p:cNvPicPr>
+            <a:picLocks noChangeAspect="1"/>
+          </p:cNvPicPr>
+          <p:nvPr/>
+        </p:nvPicPr>
+        <p:blipFill>
+          <a:blip r:embed="rId2">
+            <a:extLst>
+              <a:ext uri="{28A0092B-C50C-407E-A947-70E740481C1C}">
+                <a14:useLocalDpi xmlns:a14="http://schemas.microsoft.com/office/drawing/2010/main" val="0"/>
+              </a:ext>
+            </a:extLst>
+          </a:blip>
+          <a:stretch>
+            <a:fillRect/>
+          </a:stretch>
+        </p:blipFill>
+        <p:spPr>
+          <a:xfrm>
+            <a:off x="0" y="0"/>
+            <a:ext cx="12192000" cy="5243076"/>
+          </a:xfrm>
+          <a:prstGeom prst="rect">
+            <a:avLst/>
+          </a:prstGeom>
+          <a:ln>
+            <a:noFill/>
+          </a:ln>
+        </p:spPr>
+      </p:pic>
+    </p:spTree>
+    <p:extLst>
+      <p:ext uri="{BB962C8B-B14F-4D97-AF65-F5344CB8AC3E}">
+        <p14:creationId xmlns:p14="http://schemas.microsoft.com/office/powerpoint/2010/main" val="4163954842"/>
       </p:ext>
     </p:extLst>
   </p:cSld>
